--- a/CSharpProgramming/Presentations/ProgPartII/RepetitionStatements.pptx
+++ b/CSharpProgramming/Presentations/ProgPartII/RepetitionStatements.pptx
@@ -40,23 +40,23 @@
     <p:sldId id="368" r:id="rId34"/>
     <p:sldId id="369" r:id="rId35"/>
     <p:sldId id="370" r:id="rId36"/>
-    <p:sldId id="378" r:id="rId37"/>
-    <p:sldId id="374" r:id="rId38"/>
-    <p:sldId id="375" r:id="rId39"/>
-    <p:sldId id="376" r:id="rId40"/>
-    <p:sldId id="379" r:id="rId41"/>
+    <p:sldId id="396" r:id="rId37"/>
+    <p:sldId id="397" r:id="rId38"/>
+    <p:sldId id="398" r:id="rId39"/>
+    <p:sldId id="399" r:id="rId40"/>
+    <p:sldId id="400" r:id="rId41"/>
     <p:sldId id="380" r:id="rId42"/>
     <p:sldId id="381" r:id="rId43"/>
     <p:sldId id="382" r:id="rId44"/>
     <p:sldId id="384" r:id="rId45"/>
     <p:sldId id="383" r:id="rId46"/>
-    <p:sldId id="385" r:id="rId47"/>
-    <p:sldId id="388" r:id="rId48"/>
-    <p:sldId id="389" r:id="rId49"/>
-    <p:sldId id="390" r:id="rId50"/>
-    <p:sldId id="391" r:id="rId51"/>
-    <p:sldId id="392" r:id="rId52"/>
-    <p:sldId id="393" r:id="rId53"/>
+    <p:sldId id="401" r:id="rId47"/>
+    <p:sldId id="402" r:id="rId48"/>
+    <p:sldId id="403" r:id="rId49"/>
+    <p:sldId id="404" r:id="rId50"/>
+    <p:sldId id="405" r:id="rId51"/>
+    <p:sldId id="406" r:id="rId52"/>
+    <p:sldId id="407" r:id="rId53"/>
     <p:sldId id="394" r:id="rId54"/>
     <p:sldId id="395" r:id="rId55"/>
   </p:sldIdLst>
@@ -296,7 +296,7 @@
           <a:p>
             <a:fld id="{E15B7D8E-2A20-4C0E-991C-872DBB7459A8}" type="datetimeFigureOut">
               <a:rPr lang="da-DK" smtClean="0"/>
-              <a:t>03-10-2017</a:t>
+              <a:t>24-02-2018</a:t>
             </a:fld>
             <a:endParaRPr lang="da-DK"/>
           </a:p>
@@ -466,7 +466,7 @@
           <a:p>
             <a:fld id="{E15B7D8E-2A20-4C0E-991C-872DBB7459A8}" type="datetimeFigureOut">
               <a:rPr lang="da-DK" smtClean="0"/>
-              <a:t>03-10-2017</a:t>
+              <a:t>24-02-2018</a:t>
             </a:fld>
             <a:endParaRPr lang="da-DK"/>
           </a:p>
@@ -646,7 +646,7 @@
           <a:p>
             <a:fld id="{E15B7D8E-2A20-4C0E-991C-872DBB7459A8}" type="datetimeFigureOut">
               <a:rPr lang="da-DK" smtClean="0"/>
-              <a:t>03-10-2017</a:t>
+              <a:t>24-02-2018</a:t>
             </a:fld>
             <a:endParaRPr lang="da-DK"/>
           </a:p>
@@ -816,7 +816,7 @@
           <a:p>
             <a:fld id="{E15B7D8E-2A20-4C0E-991C-872DBB7459A8}" type="datetimeFigureOut">
               <a:rPr lang="da-DK" smtClean="0"/>
-              <a:t>03-10-2017</a:t>
+              <a:t>24-02-2018</a:t>
             </a:fld>
             <a:endParaRPr lang="da-DK"/>
           </a:p>
@@ -1062,7 +1062,7 @@
           <a:p>
             <a:fld id="{E15B7D8E-2A20-4C0E-991C-872DBB7459A8}" type="datetimeFigureOut">
               <a:rPr lang="da-DK" smtClean="0"/>
-              <a:t>03-10-2017</a:t>
+              <a:t>24-02-2018</a:t>
             </a:fld>
             <a:endParaRPr lang="da-DK"/>
           </a:p>
@@ -1294,7 +1294,7 @@
           <a:p>
             <a:fld id="{E15B7D8E-2A20-4C0E-991C-872DBB7459A8}" type="datetimeFigureOut">
               <a:rPr lang="da-DK" smtClean="0"/>
-              <a:t>03-10-2017</a:t>
+              <a:t>24-02-2018</a:t>
             </a:fld>
             <a:endParaRPr lang="da-DK"/>
           </a:p>
@@ -1661,7 +1661,7 @@
           <a:p>
             <a:fld id="{E15B7D8E-2A20-4C0E-991C-872DBB7459A8}" type="datetimeFigureOut">
               <a:rPr lang="da-DK" smtClean="0"/>
-              <a:t>03-10-2017</a:t>
+              <a:t>24-02-2018</a:t>
             </a:fld>
             <a:endParaRPr lang="da-DK"/>
           </a:p>
@@ -1779,7 +1779,7 @@
           <a:p>
             <a:fld id="{E15B7D8E-2A20-4C0E-991C-872DBB7459A8}" type="datetimeFigureOut">
               <a:rPr lang="da-DK" smtClean="0"/>
-              <a:t>03-10-2017</a:t>
+              <a:t>24-02-2018</a:t>
             </a:fld>
             <a:endParaRPr lang="da-DK"/>
           </a:p>
@@ -1874,7 +1874,7 @@
           <a:p>
             <a:fld id="{E15B7D8E-2A20-4C0E-991C-872DBB7459A8}" type="datetimeFigureOut">
               <a:rPr lang="da-DK" smtClean="0"/>
-              <a:t>03-10-2017</a:t>
+              <a:t>24-02-2018</a:t>
             </a:fld>
             <a:endParaRPr lang="da-DK"/>
           </a:p>
@@ -2151,7 +2151,7 @@
           <a:p>
             <a:fld id="{E15B7D8E-2A20-4C0E-991C-872DBB7459A8}" type="datetimeFigureOut">
               <a:rPr lang="da-DK" smtClean="0"/>
-              <a:t>03-10-2017</a:t>
+              <a:t>24-02-2018</a:t>
             </a:fld>
             <a:endParaRPr lang="da-DK"/>
           </a:p>
@@ -2404,7 +2404,7 @@
           <a:p>
             <a:fld id="{E15B7D8E-2A20-4C0E-991C-872DBB7459A8}" type="datetimeFigureOut">
               <a:rPr lang="da-DK" smtClean="0"/>
-              <a:t>03-10-2017</a:t>
+              <a:t>24-02-2018</a:t>
             </a:fld>
             <a:endParaRPr lang="da-DK"/>
           </a:p>
@@ -2617,7 +2617,7 @@
           <a:p>
             <a:fld id="{E15B7D8E-2A20-4C0E-991C-872DBB7459A8}" type="datetimeFigureOut">
               <a:rPr lang="da-DK" smtClean="0"/>
-              <a:t>03-10-2017</a:t>
+              <a:t>24-02-2018</a:t>
             </a:fld>
             <a:endParaRPr lang="da-DK"/>
           </a:p>
@@ -3046,11 +3046,7 @@
           <a:p>
             <a:r>
               <a:rPr lang="da-DK" sz="9600" smtClean="0"/>
-              <a:t>Repetition </a:t>
-            </a:r>
-            <a:r>
-              <a:rPr lang="da-DK" sz="9600" smtClean="0"/>
-              <a:t>statements</a:t>
+              <a:t>Repetition statements</a:t>
             </a:r>
             <a:endParaRPr lang="da-DK" sz="9600"/>
           </a:p>
@@ -3460,14 +3456,6 @@
               </a:rPr>
               <a:t>(number &lt; 5)</a:t>
             </a:r>
-            <a:endParaRPr lang="da-DK" sz="2800" b="1" smtClean="0">
-              <a:solidFill>
-                <a:schemeClr val="accent4">
-                  <a:lumMod val="75000"/>
-                </a:schemeClr>
-              </a:solidFill>
-              <a:latin typeface="Consolas" panose="020B0609020204030204" pitchFamily="49" charset="0"/>
-            </a:endParaRPr>
           </a:p>
           <a:p>
             <a:r>
@@ -3501,14 +3489,6 @@
               </a:rPr>
               <a:t>// Do something...</a:t>
             </a:r>
-            <a:endParaRPr lang="da-DK" sz="2800" b="1" smtClean="0">
-              <a:solidFill>
-                <a:schemeClr val="accent6">
-                  <a:lumMod val="75000"/>
-                </a:schemeClr>
-              </a:solidFill>
-              <a:latin typeface="Consolas" panose="020B0609020204030204" pitchFamily="49" charset="0"/>
-            </a:endParaRPr>
           </a:p>
           <a:p>
             <a:r>
@@ -3550,14 +3530,6 @@
               </a:rPr>
               <a:t> </a:t>
             </a:r>
-            <a:endParaRPr lang="da-DK" sz="2800" b="1" smtClean="0">
-              <a:solidFill>
-                <a:schemeClr val="accent6">
-                  <a:lumMod val="75000"/>
-                </a:schemeClr>
-              </a:solidFill>
-              <a:latin typeface="Consolas" panose="020B0609020204030204" pitchFamily="49" charset="0"/>
-            </a:endParaRPr>
           </a:p>
           <a:p>
             <a:r>
@@ -4048,14 +4020,6 @@
               </a:rPr>
               <a:t>(number &lt; 5)</a:t>
             </a:r>
-            <a:endParaRPr lang="da-DK" sz="2800" b="1" smtClean="0">
-              <a:solidFill>
-                <a:schemeClr val="accent4">
-                  <a:lumMod val="75000"/>
-                </a:schemeClr>
-              </a:solidFill>
-              <a:latin typeface="Consolas" panose="020B0609020204030204" pitchFamily="49" charset="0"/>
-            </a:endParaRPr>
           </a:p>
           <a:p>
             <a:r>
@@ -4089,14 +4053,6 @@
               </a:rPr>
               <a:t>// Do something...</a:t>
             </a:r>
-            <a:endParaRPr lang="da-DK" sz="2800" b="1" smtClean="0">
-              <a:solidFill>
-                <a:schemeClr val="accent6">
-                  <a:lumMod val="75000"/>
-                </a:schemeClr>
-              </a:solidFill>
-              <a:latin typeface="Consolas" panose="020B0609020204030204" pitchFamily="49" charset="0"/>
-            </a:endParaRPr>
           </a:p>
           <a:p>
             <a:r>
@@ -4138,14 +4094,6 @@
               </a:rPr>
               <a:t> </a:t>
             </a:r>
-            <a:endParaRPr lang="da-DK" sz="2800" b="1" smtClean="0">
-              <a:solidFill>
-                <a:schemeClr val="accent6">
-                  <a:lumMod val="75000"/>
-                </a:schemeClr>
-              </a:solidFill>
-              <a:latin typeface="Consolas" panose="020B0609020204030204" pitchFamily="49" charset="0"/>
-            </a:endParaRPr>
           </a:p>
           <a:p>
             <a:r>
@@ -4625,9 +4573,6 @@
               </a:rPr>
               <a:t> (number &lt; 5)</a:t>
             </a:r>
-            <a:endParaRPr lang="da-DK" sz="2800" b="1" smtClean="0">
-              <a:latin typeface="Consolas" panose="020B0609020204030204" pitchFamily="49" charset="0"/>
-            </a:endParaRPr>
           </a:p>
           <a:p>
             <a:r>
@@ -4659,12 +4604,6 @@
               </a:rPr>
               <a:t>// Do something...</a:t>
             </a:r>
-            <a:endParaRPr lang="da-DK" sz="2800" b="1" smtClean="0">
-              <a:solidFill>
-                <a:srgbClr val="B8B800"/>
-              </a:solidFill>
-              <a:latin typeface="Consolas" panose="020B0609020204030204" pitchFamily="49" charset="0"/>
-            </a:endParaRPr>
           </a:p>
           <a:p>
             <a:r>
@@ -4706,14 +4645,6 @@
               </a:rPr>
               <a:t> </a:t>
             </a:r>
-            <a:endParaRPr lang="da-DK" sz="2800" b="1" smtClean="0">
-              <a:solidFill>
-                <a:schemeClr val="accent6">
-                  <a:lumMod val="75000"/>
-                </a:schemeClr>
-              </a:solidFill>
-              <a:latin typeface="Consolas" panose="020B0609020204030204" pitchFamily="49" charset="0"/>
-            </a:endParaRPr>
           </a:p>
           <a:p>
             <a:r>
@@ -5193,123 +5124,97 @@
               </a:rPr>
               <a:t> (number &lt; 5)</a:t>
             </a:r>
+          </a:p>
+          <a:p>
+            <a:r>
+              <a:rPr lang="da-DK" sz="2800" b="1" smtClean="0">
+                <a:latin typeface="Consolas" panose="020B0609020204030204" pitchFamily="49" charset="0"/>
+              </a:rPr>
+              <a:t>{</a:t>
+            </a:r>
+          </a:p>
+          <a:p>
+            <a:r>
+              <a:rPr lang="da-DK" sz="2800" b="1">
+                <a:latin typeface="Consolas" panose="020B0609020204030204" pitchFamily="49" charset="0"/>
+              </a:rPr>
+              <a:t> </a:t>
+            </a:r>
+            <a:r>
+              <a:rPr lang="da-DK" sz="2800" b="1" smtClean="0">
+                <a:latin typeface="Consolas" panose="020B0609020204030204" pitchFamily="49" charset="0"/>
+              </a:rPr>
+              <a:t>  </a:t>
+            </a:r>
+            <a:r>
+              <a:rPr lang="da-DK" sz="2800" b="1" smtClean="0">
+                <a:solidFill>
+                  <a:schemeClr val="accent6">
+                    <a:lumMod val="75000"/>
+                  </a:schemeClr>
+                </a:solidFill>
+                <a:latin typeface="Consolas" panose="020B0609020204030204" pitchFamily="49" charset="0"/>
+              </a:rPr>
+              <a:t>// Do something...</a:t>
+            </a:r>
+          </a:p>
+          <a:p>
+            <a:r>
+              <a:rPr lang="da-DK" sz="2800" b="1">
+                <a:solidFill>
+                  <a:schemeClr val="accent6">
+                    <a:lumMod val="75000"/>
+                  </a:schemeClr>
+                </a:solidFill>
+                <a:latin typeface="Consolas" panose="020B0609020204030204" pitchFamily="49" charset="0"/>
+              </a:rPr>
+              <a:t> </a:t>
+            </a:r>
+            <a:r>
+              <a:rPr lang="da-DK" sz="2800" b="1" smtClean="0">
+                <a:solidFill>
+                  <a:schemeClr val="accent6">
+                    <a:lumMod val="75000"/>
+                  </a:schemeClr>
+                </a:solidFill>
+                <a:latin typeface="Consolas" panose="020B0609020204030204" pitchFamily="49" charset="0"/>
+              </a:rPr>
+              <a:t>  </a:t>
+            </a:r>
+            <a:r>
+              <a:rPr lang="da-DK" sz="2800" b="1" smtClean="0">
+                <a:solidFill>
+                  <a:srgbClr val="B8B800"/>
+                </a:solidFill>
+                <a:latin typeface="Consolas" panose="020B0609020204030204" pitchFamily="49" charset="0"/>
+              </a:rPr>
+              <a:t>number = number + 2; </a:t>
+            </a:r>
+          </a:p>
+          <a:p>
+            <a:r>
+              <a:rPr lang="da-DK" sz="2800" b="1" smtClean="0">
+                <a:latin typeface="Consolas" panose="020B0609020204030204" pitchFamily="49" charset="0"/>
+              </a:rPr>
+              <a:t>}</a:t>
+            </a:r>
+          </a:p>
+          <a:p>
+            <a:endParaRPr lang="da-DK" sz="2800" b="1">
+              <a:latin typeface="Consolas" panose="020B0609020204030204" pitchFamily="49" charset="0"/>
+            </a:endParaRPr>
+          </a:p>
+          <a:p>
             <a:endParaRPr lang="da-DK" sz="2800" b="1" smtClean="0">
               <a:latin typeface="Consolas" panose="020B0609020204030204" pitchFamily="49" charset="0"/>
             </a:endParaRPr>
           </a:p>
           <a:p>
-            <a:r>
-              <a:rPr lang="da-DK" sz="2800" b="1" smtClean="0">
-                <a:latin typeface="Consolas" panose="020B0609020204030204" pitchFamily="49" charset="0"/>
-              </a:rPr>
-              <a:t>{</a:t>
-            </a:r>
-          </a:p>
-          <a:p>
-            <a:r>
-              <a:rPr lang="da-DK" sz="2800" b="1">
-                <a:latin typeface="Consolas" panose="020B0609020204030204" pitchFamily="49" charset="0"/>
-              </a:rPr>
-              <a:t> </a:t>
-            </a:r>
-            <a:r>
-              <a:rPr lang="da-DK" sz="2800" b="1" smtClean="0">
-                <a:latin typeface="Consolas" panose="020B0609020204030204" pitchFamily="49" charset="0"/>
-              </a:rPr>
-              <a:t>  </a:t>
-            </a:r>
-            <a:r>
-              <a:rPr lang="da-DK" sz="2800" b="1" smtClean="0">
-                <a:solidFill>
-                  <a:schemeClr val="accent6">
-                    <a:lumMod val="75000"/>
-                  </a:schemeClr>
-                </a:solidFill>
-                <a:latin typeface="Consolas" panose="020B0609020204030204" pitchFamily="49" charset="0"/>
-              </a:rPr>
-              <a:t>// Do something...</a:t>
-            </a:r>
-            <a:endParaRPr lang="da-DK" sz="2800" b="1" smtClean="0">
-              <a:solidFill>
-                <a:schemeClr val="accent6">
-                  <a:lumMod val="75000"/>
-                </a:schemeClr>
-              </a:solidFill>
-              <a:latin typeface="Consolas" panose="020B0609020204030204" pitchFamily="49" charset="0"/>
-            </a:endParaRPr>
-          </a:p>
-          <a:p>
-            <a:r>
-              <a:rPr lang="da-DK" sz="2800" b="1">
-                <a:solidFill>
-                  <a:schemeClr val="accent6">
-                    <a:lumMod val="75000"/>
-                  </a:schemeClr>
-                </a:solidFill>
-                <a:latin typeface="Consolas" panose="020B0609020204030204" pitchFamily="49" charset="0"/>
-              </a:rPr>
-              <a:t> </a:t>
-            </a:r>
-            <a:r>
-              <a:rPr lang="da-DK" sz="2800" b="1" smtClean="0">
-                <a:solidFill>
-                  <a:schemeClr val="accent6">
-                    <a:lumMod val="75000"/>
-                  </a:schemeClr>
-                </a:solidFill>
-                <a:latin typeface="Consolas" panose="020B0609020204030204" pitchFamily="49" charset="0"/>
-              </a:rPr>
-              <a:t>  </a:t>
-            </a:r>
-            <a:r>
-              <a:rPr lang="da-DK" sz="2800" b="1" smtClean="0">
-                <a:solidFill>
-                  <a:srgbClr val="B8B800"/>
-                </a:solidFill>
-                <a:latin typeface="Consolas" panose="020B0609020204030204" pitchFamily="49" charset="0"/>
-              </a:rPr>
-              <a:t>number = number + 2;</a:t>
-            </a:r>
-            <a:r>
-              <a:rPr lang="da-DK" sz="2800" b="1" smtClean="0">
-                <a:solidFill>
-                  <a:srgbClr val="B8B800"/>
-                </a:solidFill>
-                <a:latin typeface="Consolas" panose="020B0609020204030204" pitchFamily="49" charset="0"/>
-              </a:rPr>
-              <a:t> </a:t>
-            </a:r>
-            <a:endParaRPr lang="da-DK" sz="2800" b="1" smtClean="0">
-              <a:solidFill>
-                <a:srgbClr val="B8B800"/>
-              </a:solidFill>
-              <a:latin typeface="Consolas" panose="020B0609020204030204" pitchFamily="49" charset="0"/>
-            </a:endParaRPr>
-          </a:p>
-          <a:p>
-            <a:r>
-              <a:rPr lang="da-DK" sz="2800" b="1" smtClean="0">
-                <a:latin typeface="Consolas" panose="020B0609020204030204" pitchFamily="49" charset="0"/>
-              </a:rPr>
-              <a:t>}</a:t>
-            </a:r>
-          </a:p>
-          <a:p>
-            <a:endParaRPr lang="da-DK" sz="2800" b="1">
-              <a:latin typeface="Consolas" panose="020B0609020204030204" pitchFamily="49" charset="0"/>
-            </a:endParaRPr>
-          </a:p>
-          <a:p>
             <a:endParaRPr lang="da-DK" sz="2800" b="1" smtClean="0">
               <a:latin typeface="Consolas" panose="020B0609020204030204" pitchFamily="49" charset="0"/>
             </a:endParaRPr>
           </a:p>
           <a:p>
-            <a:endParaRPr lang="da-DK" sz="2800" b="1" smtClean="0">
-              <a:latin typeface="Consolas" panose="020B0609020204030204" pitchFamily="49" charset="0"/>
-            </a:endParaRPr>
-          </a:p>
-          <a:p>
             <a:r>
               <a:rPr lang="da-DK" sz="4800" b="1" smtClean="0">
                 <a:solidFill>
@@ -5330,18 +5235,7 @@
                 </a:solidFill>
                 <a:latin typeface="Consolas" panose="020B0609020204030204" pitchFamily="49" charset="0"/>
               </a:rPr>
-              <a:t>: </a:t>
-            </a:r>
-            <a:r>
-              <a:rPr lang="da-DK" sz="4800" b="1">
-                <a:solidFill>
-                  <a:schemeClr val="accent4">
-                    <a:lumMod val="75000"/>
-                  </a:schemeClr>
-                </a:solidFill>
-                <a:latin typeface="Consolas" panose="020B0609020204030204" pitchFamily="49" charset="0"/>
-              </a:rPr>
-              <a:t>3</a:t>
+              <a:t>: 3</a:t>
             </a:r>
           </a:p>
         </p:txBody>
@@ -5762,14 +5656,6 @@
               </a:rPr>
               <a:t>(number &lt; 5)</a:t>
             </a:r>
-            <a:endParaRPr lang="da-DK" sz="2800" b="1" smtClean="0">
-              <a:solidFill>
-                <a:schemeClr val="accent4">
-                  <a:lumMod val="75000"/>
-                </a:schemeClr>
-              </a:solidFill>
-              <a:latin typeface="Consolas" panose="020B0609020204030204" pitchFamily="49" charset="0"/>
-            </a:endParaRPr>
           </a:p>
           <a:p>
             <a:r>
@@ -5803,14 +5689,6 @@
               </a:rPr>
               <a:t>// Do something...</a:t>
             </a:r>
-            <a:endParaRPr lang="da-DK" sz="2800" b="1" smtClean="0">
-              <a:solidFill>
-                <a:schemeClr val="accent6">
-                  <a:lumMod val="75000"/>
-                </a:schemeClr>
-              </a:solidFill>
-              <a:latin typeface="Consolas" panose="020B0609020204030204" pitchFamily="49" charset="0"/>
-            </a:endParaRPr>
           </a:p>
           <a:p>
             <a:r>
@@ -5852,14 +5730,6 @@
               </a:rPr>
               <a:t> </a:t>
             </a:r>
-            <a:endParaRPr lang="da-DK" sz="2800" b="1" smtClean="0">
-              <a:solidFill>
-                <a:schemeClr val="accent6">
-                  <a:lumMod val="75000"/>
-                </a:schemeClr>
-              </a:solidFill>
-              <a:latin typeface="Consolas" panose="020B0609020204030204" pitchFamily="49" charset="0"/>
-            </a:endParaRPr>
           </a:p>
           <a:p>
             <a:r>
@@ -5905,18 +5775,7 @@
                 </a:solidFill>
                 <a:latin typeface="Consolas" panose="020B0609020204030204" pitchFamily="49" charset="0"/>
               </a:rPr>
-              <a:t>: </a:t>
-            </a:r>
-            <a:r>
-              <a:rPr lang="da-DK" sz="4800" b="1">
-                <a:solidFill>
-                  <a:schemeClr val="accent4">
-                    <a:lumMod val="75000"/>
-                  </a:schemeClr>
-                </a:solidFill>
-                <a:latin typeface="Consolas" panose="020B0609020204030204" pitchFamily="49" charset="0"/>
-              </a:rPr>
-              <a:t>3</a:t>
+              <a:t>: 3</a:t>
             </a:r>
           </a:p>
         </p:txBody>
@@ -6342,14 +6201,6 @@
               </a:rPr>
               <a:t>(number &lt; 5)</a:t>
             </a:r>
-            <a:endParaRPr lang="da-DK" sz="2800" b="1" smtClean="0">
-              <a:solidFill>
-                <a:schemeClr val="accent4">
-                  <a:lumMod val="75000"/>
-                </a:schemeClr>
-              </a:solidFill>
-              <a:latin typeface="Consolas" panose="020B0609020204030204" pitchFamily="49" charset="0"/>
-            </a:endParaRPr>
           </a:p>
           <a:p>
             <a:r>
@@ -6383,14 +6234,6 @@
               </a:rPr>
               <a:t>// Do something...</a:t>
             </a:r>
-            <a:endParaRPr lang="da-DK" sz="2800" b="1" smtClean="0">
-              <a:solidFill>
-                <a:schemeClr val="accent6">
-                  <a:lumMod val="75000"/>
-                </a:schemeClr>
-              </a:solidFill>
-              <a:latin typeface="Consolas" panose="020B0609020204030204" pitchFamily="49" charset="0"/>
-            </a:endParaRPr>
           </a:p>
           <a:p>
             <a:r>
@@ -6432,14 +6275,6 @@
               </a:rPr>
               <a:t> </a:t>
             </a:r>
-            <a:endParaRPr lang="da-DK" sz="2800" b="1" smtClean="0">
-              <a:solidFill>
-                <a:schemeClr val="accent6">
-                  <a:lumMod val="75000"/>
-                </a:schemeClr>
-              </a:solidFill>
-              <a:latin typeface="Consolas" panose="020B0609020204030204" pitchFamily="49" charset="0"/>
-            </a:endParaRPr>
           </a:p>
           <a:p>
             <a:r>
@@ -6485,18 +6320,7 @@
                 </a:solidFill>
                 <a:latin typeface="Consolas" panose="020B0609020204030204" pitchFamily="49" charset="0"/>
               </a:rPr>
-              <a:t>: </a:t>
-            </a:r>
-            <a:r>
-              <a:rPr lang="da-DK" sz="4800" b="1">
-                <a:solidFill>
-                  <a:schemeClr val="accent4">
-                    <a:lumMod val="75000"/>
-                  </a:schemeClr>
-                </a:solidFill>
-                <a:latin typeface="Consolas" panose="020B0609020204030204" pitchFamily="49" charset="0"/>
-              </a:rPr>
-              <a:t>3</a:t>
+              <a:t>: 3</a:t>
             </a:r>
           </a:p>
         </p:txBody>
@@ -6911,9 +6735,6 @@
               </a:rPr>
               <a:t> (number &lt; 5)</a:t>
             </a:r>
-            <a:endParaRPr lang="da-DK" sz="2800" b="1" smtClean="0">
-              <a:latin typeface="Consolas" panose="020B0609020204030204" pitchFamily="49" charset="0"/>
-            </a:endParaRPr>
           </a:p>
           <a:p>
             <a:r>
@@ -6947,14 +6768,6 @@
               </a:rPr>
               <a:t>// Do something...</a:t>
             </a:r>
-            <a:endParaRPr lang="da-DK" sz="2800" b="1" smtClean="0">
-              <a:solidFill>
-                <a:schemeClr val="accent6">
-                  <a:lumMod val="75000"/>
-                </a:schemeClr>
-              </a:solidFill>
-              <a:latin typeface="Consolas" panose="020B0609020204030204" pitchFamily="49" charset="0"/>
-            </a:endParaRPr>
           </a:p>
           <a:p>
             <a:r>
@@ -6986,23 +6799,8 @@
                 </a:solidFill>
                 <a:latin typeface="Consolas" panose="020B0609020204030204" pitchFamily="49" charset="0"/>
               </a:rPr>
-              <a:t>number = number + 2;</a:t>
-            </a:r>
-            <a:r>
-              <a:rPr lang="da-DK" sz="2800" b="1" smtClean="0">
-                <a:solidFill>
-                  <a:srgbClr val="B8B800"/>
-                </a:solidFill>
-                <a:latin typeface="Consolas" panose="020B0609020204030204" pitchFamily="49" charset="0"/>
-              </a:rPr>
-              <a:t> </a:t>
-            </a:r>
-            <a:endParaRPr lang="da-DK" sz="2800" b="1" smtClean="0">
-              <a:solidFill>
-                <a:srgbClr val="B8B800"/>
-              </a:solidFill>
-              <a:latin typeface="Consolas" panose="020B0609020204030204" pitchFamily="49" charset="0"/>
-            </a:endParaRPr>
+              <a:t>number = number + 2; </a:t>
+            </a:r>
           </a:p>
           <a:p>
             <a:r>
@@ -7488,14 +7286,6 @@
               </a:rPr>
               <a:t>(number &lt; 5)</a:t>
             </a:r>
-            <a:endParaRPr lang="da-DK" sz="2800" b="1" smtClean="0">
-              <a:solidFill>
-                <a:schemeClr val="accent4">
-                  <a:lumMod val="75000"/>
-                </a:schemeClr>
-              </a:solidFill>
-              <a:latin typeface="Consolas" panose="020B0609020204030204" pitchFamily="49" charset="0"/>
-            </a:endParaRPr>
           </a:p>
           <a:p>
             <a:r>
@@ -7529,14 +7319,6 @@
               </a:rPr>
               <a:t>// Do something...</a:t>
             </a:r>
-            <a:endParaRPr lang="da-DK" sz="2800" b="1" smtClean="0">
-              <a:solidFill>
-                <a:schemeClr val="accent6">
-                  <a:lumMod val="75000"/>
-                </a:schemeClr>
-              </a:solidFill>
-              <a:latin typeface="Consolas" panose="020B0609020204030204" pitchFamily="49" charset="0"/>
-            </a:endParaRPr>
           </a:p>
           <a:p>
             <a:r>
@@ -7578,14 +7360,6 @@
               </a:rPr>
               <a:t> </a:t>
             </a:r>
-            <a:endParaRPr lang="da-DK" sz="2800" b="1" smtClean="0">
-              <a:solidFill>
-                <a:schemeClr val="accent6">
-                  <a:lumMod val="75000"/>
-                </a:schemeClr>
-              </a:solidFill>
-              <a:latin typeface="Consolas" panose="020B0609020204030204" pitchFamily="49" charset="0"/>
-            </a:endParaRPr>
           </a:p>
           <a:p>
             <a:r>
@@ -8074,14 +7848,6 @@
               </a:rPr>
               <a:t>(number &lt; 5)</a:t>
             </a:r>
-            <a:endParaRPr lang="da-DK" sz="2800" b="1" smtClean="0">
-              <a:solidFill>
-                <a:schemeClr val="accent4">
-                  <a:lumMod val="75000"/>
-                </a:schemeClr>
-              </a:solidFill>
-              <a:latin typeface="Consolas" panose="020B0609020204030204" pitchFamily="49" charset="0"/>
-            </a:endParaRPr>
           </a:p>
           <a:p>
             <a:r>
@@ -8115,14 +7881,6 @@
               </a:rPr>
               <a:t>// Do something...</a:t>
             </a:r>
-            <a:endParaRPr lang="da-DK" sz="2800" b="1" smtClean="0">
-              <a:solidFill>
-                <a:schemeClr val="accent6">
-                  <a:lumMod val="75000"/>
-                </a:schemeClr>
-              </a:solidFill>
-              <a:latin typeface="Consolas" panose="020B0609020204030204" pitchFamily="49" charset="0"/>
-            </a:endParaRPr>
           </a:p>
           <a:p>
             <a:r>
@@ -8164,14 +7922,6 @@
               </a:rPr>
               <a:t> </a:t>
             </a:r>
-            <a:endParaRPr lang="da-DK" sz="2800" b="1" smtClean="0">
-              <a:solidFill>
-                <a:schemeClr val="accent6">
-                  <a:lumMod val="75000"/>
-                </a:schemeClr>
-              </a:solidFill>
-              <a:latin typeface="Consolas" panose="020B0609020204030204" pitchFamily="49" charset="0"/>
-            </a:endParaRPr>
           </a:p>
           <a:p>
             <a:r>
@@ -8521,14 +8271,6 @@
               </a:rPr>
               <a:t>(number &lt; 5)</a:t>
             </a:r>
-            <a:endParaRPr lang="da-DK" sz="2800" b="1" smtClean="0">
-              <a:solidFill>
-                <a:schemeClr val="accent4">
-                  <a:lumMod val="75000"/>
-                </a:schemeClr>
-              </a:solidFill>
-              <a:latin typeface="Consolas" panose="020B0609020204030204" pitchFamily="49" charset="0"/>
-            </a:endParaRPr>
           </a:p>
           <a:p>
             <a:r>
@@ -8562,14 +8304,6 @@
               </a:rPr>
               <a:t>// Do something...</a:t>
             </a:r>
-            <a:endParaRPr lang="da-DK" sz="2800" b="1" smtClean="0">
-              <a:solidFill>
-                <a:schemeClr val="accent6">
-                  <a:lumMod val="75000"/>
-                </a:schemeClr>
-              </a:solidFill>
-              <a:latin typeface="Consolas" panose="020B0609020204030204" pitchFamily="49" charset="0"/>
-            </a:endParaRPr>
           </a:p>
           <a:p>
             <a:r>
@@ -8611,14 +8345,6 @@
               </a:rPr>
               <a:t> </a:t>
             </a:r>
-            <a:endParaRPr lang="da-DK" sz="2800" b="1" smtClean="0">
-              <a:solidFill>
-                <a:schemeClr val="accent6">
-                  <a:lumMod val="75000"/>
-                </a:schemeClr>
-              </a:solidFill>
-              <a:latin typeface="Consolas" panose="020B0609020204030204" pitchFamily="49" charset="0"/>
-            </a:endParaRPr>
           </a:p>
           <a:p>
             <a:r>
@@ -8890,14 +8616,14 @@
           <a:lstStyle/>
           <a:p>
             <a:r>
-              <a:rPr lang="da-DK" smtClean="0"/>
-              <a:t>Elementer i </a:t>
-            </a:r>
-            <a:r>
-              <a:rPr lang="da-DK" i="1" smtClean="0"/>
+              <a:rPr lang="da-DK" b="1" smtClean="0"/>
+              <a:t>Elements in a </a:t>
+            </a:r>
+            <a:r>
+              <a:rPr lang="da-DK" b="1" smtClean="0"/>
               <a:t>Repetition Statement</a:t>
             </a:r>
-            <a:endParaRPr lang="da-DK" i="1"/>
+            <a:endParaRPr lang="da-DK" b="1"/>
           </a:p>
         </p:txBody>
       </p:sp>
@@ -8920,25 +8646,28 @@
           <a:p>
             <a:r>
               <a:rPr lang="da-DK" sz="3600" smtClean="0"/>
-              <a:t>Initialisering</a:t>
-            </a:r>
+              <a:t>Initialisation</a:t>
+            </a:r>
+            <a:endParaRPr lang="da-DK" sz="3600" smtClean="0"/>
           </a:p>
           <a:p>
             <a:r>
               <a:rPr lang="da-DK" sz="3600" smtClean="0"/>
-              <a:t>Betingelse</a:t>
-            </a:r>
+              <a:t>Condition</a:t>
+            </a:r>
+            <a:endParaRPr lang="da-DK" sz="3600" smtClean="0"/>
           </a:p>
           <a:p>
             <a:r>
               <a:rPr lang="da-DK" sz="3600" smtClean="0"/>
-              <a:t>Handling</a:t>
-            </a:r>
+              <a:t>Action</a:t>
+            </a:r>
+            <a:endParaRPr lang="da-DK" sz="3600" smtClean="0"/>
           </a:p>
           <a:p>
             <a:r>
               <a:rPr lang="da-DK" sz="3600" smtClean="0"/>
-              <a:t>Ændring</a:t>
+              <a:t>Change</a:t>
             </a:r>
             <a:endParaRPr lang="da-DK" sz="3600"/>
           </a:p>
@@ -8984,8 +8713,8 @@
           <a:p>
             <a:pPr algn="ctr"/>
             <a:r>
-              <a:rPr lang="da-DK" smtClean="0"/>
-              <a:t>I</a:t>
+              <a:rPr lang="da-DK"/>
+              <a:t>=</a:t>
             </a:r>
             <a:endParaRPr lang="da-DK"/>
           </a:p>
@@ -9033,8 +8762,8 @@
           <a:p>
             <a:pPr algn="ctr"/>
             <a:r>
-              <a:rPr lang="da-DK" smtClean="0"/>
-              <a:t>B</a:t>
+              <a:rPr lang="da-DK"/>
+              <a:t>?</a:t>
             </a:r>
             <a:endParaRPr lang="da-DK"/>
           </a:p>
@@ -9083,7 +8812,7 @@
             <a:pPr algn="ctr"/>
             <a:r>
               <a:rPr lang="da-DK" smtClean="0"/>
-              <a:t>H</a:t>
+              <a:t>!</a:t>
             </a:r>
             <a:endParaRPr lang="da-DK"/>
           </a:p>
@@ -9132,7 +8861,7 @@
             <a:pPr algn="ctr"/>
             <a:r>
               <a:rPr lang="da-DK" smtClean="0"/>
-              <a:t>Æ</a:t>
+              <a:t>+</a:t>
             </a:r>
             <a:endParaRPr lang="da-DK"/>
           </a:p>
@@ -9229,9 +8958,6 @@
               </a:rPr>
               <a:t> (number &lt; 5)</a:t>
             </a:r>
-            <a:endParaRPr lang="da-DK" sz="3600" b="1" smtClean="0">
-              <a:latin typeface="Consolas" panose="020B0609020204030204" pitchFamily="49" charset="0"/>
-            </a:endParaRPr>
           </a:p>
           <a:p>
             <a:r>
@@ -9283,9 +9009,6 @@
               </a:rPr>
               <a:t>);</a:t>
             </a:r>
-            <a:endParaRPr lang="da-DK" sz="3600" b="1" smtClean="0">
-              <a:latin typeface="Consolas" panose="020B0609020204030204" pitchFamily="49" charset="0"/>
-            </a:endParaRPr>
           </a:p>
           <a:p>
             <a:r>
@@ -9327,14 +9050,6 @@
               </a:rPr>
               <a:t> </a:t>
             </a:r>
-            <a:endParaRPr lang="da-DK" sz="3600" b="1" smtClean="0">
-              <a:solidFill>
-                <a:schemeClr val="accent6">
-                  <a:lumMod val="75000"/>
-                </a:schemeClr>
-              </a:solidFill>
-              <a:latin typeface="Consolas" panose="020B0609020204030204" pitchFamily="49" charset="0"/>
-            </a:endParaRPr>
           </a:p>
           <a:p>
             <a:r>
@@ -9449,9 +9164,6 @@
               </a:rPr>
               <a:t> (number &lt; 5)</a:t>
             </a:r>
-            <a:endParaRPr lang="da-DK" sz="3600" b="1" smtClean="0">
-              <a:latin typeface="Consolas" panose="020B0609020204030204" pitchFamily="49" charset="0"/>
-            </a:endParaRPr>
           </a:p>
           <a:p>
             <a:r>
@@ -9503,9 +9215,6 @@
               </a:rPr>
               <a:t>);</a:t>
             </a:r>
-            <a:endParaRPr lang="da-DK" sz="3600" b="1" smtClean="0">
-              <a:latin typeface="Consolas" panose="020B0609020204030204" pitchFamily="49" charset="0"/>
-            </a:endParaRPr>
           </a:p>
           <a:p>
             <a:r>
@@ -9547,14 +9256,6 @@
               </a:rPr>
               <a:t> </a:t>
             </a:r>
-            <a:endParaRPr lang="da-DK" sz="3600" b="1" smtClean="0">
-              <a:solidFill>
-                <a:schemeClr val="accent6">
-                  <a:lumMod val="75000"/>
-                </a:schemeClr>
-              </a:solidFill>
-              <a:latin typeface="Consolas" panose="020B0609020204030204" pitchFamily="49" charset="0"/>
-            </a:endParaRPr>
           </a:p>
           <a:p>
             <a:r>
@@ -9606,8 +9307,8 @@
           <a:p>
             <a:pPr algn="ctr"/>
             <a:r>
-              <a:rPr lang="da-DK" smtClean="0"/>
-              <a:t>I</a:t>
+              <a:rPr lang="da-DK"/>
+              <a:t>=</a:t>
             </a:r>
             <a:endParaRPr lang="da-DK"/>
           </a:p>
@@ -9655,8 +9356,8 @@
           <a:p>
             <a:pPr algn="ctr"/>
             <a:r>
-              <a:rPr lang="da-DK" smtClean="0"/>
-              <a:t>B</a:t>
+              <a:rPr lang="da-DK"/>
+              <a:t>?</a:t>
             </a:r>
             <a:endParaRPr lang="da-DK"/>
           </a:p>
@@ -9704,8 +9405,8 @@
           <a:p>
             <a:pPr algn="ctr"/>
             <a:r>
-              <a:rPr lang="da-DK" smtClean="0"/>
-              <a:t>H</a:t>
+              <a:rPr lang="da-DK"/>
+              <a:t>!</a:t>
             </a:r>
             <a:endParaRPr lang="da-DK"/>
           </a:p>
@@ -9753,8 +9454,8 @@
           <a:p>
             <a:pPr algn="ctr"/>
             <a:r>
-              <a:rPr lang="da-DK" smtClean="0"/>
-              <a:t>Æ</a:t>
+              <a:rPr lang="da-DK"/>
+              <a:t>+</a:t>
             </a:r>
             <a:endParaRPr lang="da-DK"/>
           </a:p>
@@ -9863,9 +9564,6 @@
               </a:rPr>
               <a:t> (number &lt; 5)</a:t>
             </a:r>
-            <a:endParaRPr lang="da-DK" sz="3600" b="1" smtClean="0">
-              <a:latin typeface="Consolas" panose="020B0609020204030204" pitchFamily="49" charset="0"/>
-            </a:endParaRPr>
           </a:p>
           <a:p>
             <a:r>
@@ -9917,9 +9615,6 @@
               </a:rPr>
               <a:t>);</a:t>
             </a:r>
-            <a:endParaRPr lang="da-DK" sz="3600" b="1" smtClean="0">
-              <a:latin typeface="Consolas" panose="020B0609020204030204" pitchFamily="49" charset="0"/>
-            </a:endParaRPr>
           </a:p>
           <a:p>
             <a:r>
@@ -9961,14 +9656,6 @@
               </a:rPr>
               <a:t> </a:t>
             </a:r>
-            <a:endParaRPr lang="da-DK" sz="3600" b="1" smtClean="0">
-              <a:solidFill>
-                <a:schemeClr val="accent6">
-                  <a:lumMod val="75000"/>
-                </a:schemeClr>
-              </a:solidFill>
-              <a:latin typeface="Consolas" panose="020B0609020204030204" pitchFamily="49" charset="0"/>
-            </a:endParaRPr>
           </a:p>
           <a:p>
             <a:r>
@@ -10172,9 +9859,6 @@
               </a:rPr>
               <a:t> (number &lt; 5)</a:t>
             </a:r>
-            <a:endParaRPr lang="da-DK" sz="3600" b="1" smtClean="0">
-              <a:latin typeface="Consolas" panose="020B0609020204030204" pitchFamily="49" charset="0"/>
-            </a:endParaRPr>
           </a:p>
           <a:p>
             <a:r>
@@ -10226,9 +9910,6 @@
               </a:rPr>
               <a:t>);</a:t>
             </a:r>
-            <a:endParaRPr lang="da-DK" sz="3600" b="1" smtClean="0">
-              <a:latin typeface="Consolas" panose="020B0609020204030204" pitchFamily="49" charset="0"/>
-            </a:endParaRPr>
           </a:p>
           <a:p>
             <a:r>
@@ -10270,14 +9951,6 @@
               </a:rPr>
               <a:t> </a:t>
             </a:r>
-            <a:endParaRPr lang="da-DK" sz="3600" b="1" smtClean="0">
-              <a:solidFill>
-                <a:schemeClr val="accent6">
-                  <a:lumMod val="75000"/>
-                </a:schemeClr>
-              </a:solidFill>
-              <a:latin typeface="Consolas" panose="020B0609020204030204" pitchFamily="49" charset="0"/>
-            </a:endParaRPr>
           </a:p>
           <a:p>
             <a:r>
@@ -10329,8 +10002,8 @@
           <a:p>
             <a:pPr algn="ctr"/>
             <a:r>
-              <a:rPr lang="da-DK" smtClean="0"/>
-              <a:t>I</a:t>
+              <a:rPr lang="da-DK"/>
+              <a:t>=</a:t>
             </a:r>
             <a:endParaRPr lang="da-DK"/>
           </a:p>
@@ -10378,8 +10051,8 @@
           <a:p>
             <a:pPr algn="ctr"/>
             <a:r>
-              <a:rPr lang="da-DK" smtClean="0"/>
-              <a:t>B</a:t>
+              <a:rPr lang="da-DK"/>
+              <a:t>?</a:t>
             </a:r>
             <a:endParaRPr lang="da-DK"/>
           </a:p>
@@ -10427,8 +10100,8 @@
           <a:p>
             <a:pPr algn="ctr"/>
             <a:r>
-              <a:rPr lang="da-DK" smtClean="0"/>
-              <a:t>H</a:t>
+              <a:rPr lang="da-DK"/>
+              <a:t>!</a:t>
             </a:r>
             <a:endParaRPr lang="da-DK"/>
           </a:p>
@@ -10477,7 +10150,7 @@
             <a:pPr algn="ctr"/>
             <a:r>
               <a:rPr lang="da-DK" smtClean="0"/>
-              <a:t>Æ</a:t>
+              <a:t>+</a:t>
             </a:r>
             <a:endParaRPr lang="da-DK"/>
           </a:p>
@@ -10582,13 +10255,7 @@
               <a:rPr lang="da-DK" sz="2800" b="1">
                 <a:latin typeface="Consolas" panose="020B0609020204030204" pitchFamily="49" charset="0"/>
               </a:rPr>
-              <a:t>number </a:t>
-            </a:r>
-            <a:r>
-              <a:rPr lang="da-DK" sz="2800" b="1">
-                <a:latin typeface="Consolas" panose="020B0609020204030204" pitchFamily="49" charset="0"/>
-              </a:rPr>
-              <a:t>= </a:t>
+              <a:t>number = </a:t>
             </a:r>
             <a:r>
               <a:rPr lang="da-DK" sz="2800" b="1" smtClean="0">
@@ -10772,13 +10439,7 @@
               <a:rPr lang="da-DK" sz="2800" b="1">
                 <a:latin typeface="Consolas" panose="020B0609020204030204" pitchFamily="49" charset="0"/>
               </a:rPr>
-              <a:t>number </a:t>
-            </a:r>
-            <a:r>
-              <a:rPr lang="da-DK" sz="2800" b="1">
-                <a:latin typeface="Consolas" panose="020B0609020204030204" pitchFamily="49" charset="0"/>
-              </a:rPr>
-              <a:t>= </a:t>
+              <a:t>number = </a:t>
             </a:r>
             <a:r>
               <a:rPr lang="da-DK" sz="2800" b="1" smtClean="0">
@@ -10903,8 +10564,8 @@
           <a:p>
             <a:pPr algn="ctr"/>
             <a:r>
-              <a:rPr lang="da-DK" smtClean="0"/>
-              <a:t>I</a:t>
+              <a:rPr lang="da-DK"/>
+              <a:t>=</a:t>
             </a:r>
             <a:endParaRPr lang="da-DK"/>
           </a:p>
@@ -10952,8 +10613,8 @@
           <a:p>
             <a:pPr algn="ctr"/>
             <a:r>
-              <a:rPr lang="da-DK" smtClean="0"/>
-              <a:t>B</a:t>
+              <a:rPr lang="da-DK"/>
+              <a:t>?</a:t>
             </a:r>
             <a:endParaRPr lang="da-DK"/>
           </a:p>
@@ -11001,8 +10662,8 @@
           <a:p>
             <a:pPr algn="ctr"/>
             <a:r>
-              <a:rPr lang="da-DK" smtClean="0"/>
-              <a:t>Æ</a:t>
+              <a:rPr lang="da-DK"/>
+              <a:t>+</a:t>
             </a:r>
             <a:endParaRPr lang="da-DK"/>
           </a:p>
@@ -11050,8 +10711,8 @@
           <a:p>
             <a:pPr algn="ctr"/>
             <a:r>
-              <a:rPr lang="da-DK" smtClean="0"/>
-              <a:t>H</a:t>
+              <a:rPr lang="da-DK"/>
+              <a:t>!</a:t>
             </a:r>
             <a:endParaRPr lang="da-DK"/>
           </a:p>
@@ -11156,13 +10817,7 @@
               <a:rPr lang="da-DK" sz="2800" b="1">
                 <a:latin typeface="Consolas" panose="020B0609020204030204" pitchFamily="49" charset="0"/>
               </a:rPr>
-              <a:t>number </a:t>
-            </a:r>
-            <a:r>
-              <a:rPr lang="da-DK" sz="2800" b="1">
-                <a:latin typeface="Consolas" panose="020B0609020204030204" pitchFamily="49" charset="0"/>
-              </a:rPr>
-              <a:t>= </a:t>
+              <a:t>number = </a:t>
             </a:r>
             <a:r>
               <a:rPr lang="da-DK" sz="2800" b="1" smtClean="0">
@@ -11287,8 +10942,8 @@
           <a:p>
             <a:pPr algn="ctr"/>
             <a:r>
-              <a:rPr lang="da-DK" smtClean="0"/>
-              <a:t>I</a:t>
+              <a:rPr lang="da-DK"/>
+              <a:t>=</a:t>
             </a:r>
             <a:endParaRPr lang="da-DK"/>
           </a:p>
@@ -11336,8 +10991,8 @@
           <a:p>
             <a:pPr algn="ctr"/>
             <a:r>
-              <a:rPr lang="da-DK" smtClean="0"/>
-              <a:t>B</a:t>
+              <a:rPr lang="da-DK"/>
+              <a:t>?</a:t>
             </a:r>
             <a:endParaRPr lang="da-DK"/>
           </a:p>
@@ -11385,8 +11040,8 @@
           <a:p>
             <a:pPr algn="ctr"/>
             <a:r>
-              <a:rPr lang="da-DK" smtClean="0"/>
-              <a:t>Æ</a:t>
+              <a:rPr lang="da-DK"/>
+              <a:t>+</a:t>
             </a:r>
             <a:endParaRPr lang="da-DK"/>
           </a:p>
@@ -11434,8 +11089,8 @@
           <a:p>
             <a:pPr algn="ctr"/>
             <a:r>
-              <a:rPr lang="da-DK" smtClean="0"/>
-              <a:t>H</a:t>
+              <a:rPr lang="da-DK"/>
+              <a:t>!</a:t>
             </a:r>
             <a:endParaRPr lang="da-DK"/>
           </a:p>
@@ -11495,9 +11150,6 @@
               </a:rPr>
               <a:t> (number &lt; 5)</a:t>
             </a:r>
-            <a:endParaRPr lang="da-DK" sz="2800" b="1" smtClean="0">
-              <a:latin typeface="Consolas" panose="020B0609020204030204" pitchFamily="49" charset="0"/>
-            </a:endParaRPr>
           </a:p>
           <a:p>
             <a:r>
@@ -11549,9 +11201,6 @@
               </a:rPr>
               <a:t>);</a:t>
             </a:r>
-            <a:endParaRPr lang="da-DK" sz="2800" b="1" smtClean="0">
-              <a:latin typeface="Consolas" panose="020B0609020204030204" pitchFamily="49" charset="0"/>
-            </a:endParaRPr>
           </a:p>
           <a:p>
             <a:r>
@@ -11593,14 +11242,6 @@
               </a:rPr>
               <a:t> </a:t>
             </a:r>
-            <a:endParaRPr lang="da-DK" sz="2800" b="1" smtClean="0">
-              <a:solidFill>
-                <a:schemeClr val="accent6">
-                  <a:lumMod val="75000"/>
-                </a:schemeClr>
-              </a:solidFill>
-              <a:latin typeface="Consolas" panose="020B0609020204030204" pitchFamily="49" charset="0"/>
-            </a:endParaRPr>
           </a:p>
           <a:p>
             <a:r>
@@ -11652,8 +11293,8 @@
           <a:p>
             <a:pPr algn="ctr"/>
             <a:r>
-              <a:rPr lang="da-DK" smtClean="0"/>
-              <a:t>I</a:t>
+              <a:rPr lang="da-DK"/>
+              <a:t>=</a:t>
             </a:r>
             <a:endParaRPr lang="da-DK"/>
           </a:p>
@@ -11701,8 +11342,8 @@
           <a:p>
             <a:pPr algn="ctr"/>
             <a:r>
-              <a:rPr lang="da-DK" smtClean="0"/>
-              <a:t>B</a:t>
+              <a:rPr lang="da-DK"/>
+              <a:t>?</a:t>
             </a:r>
             <a:endParaRPr lang="da-DK"/>
           </a:p>
@@ -11750,8 +11391,8 @@
           <a:p>
             <a:pPr algn="ctr"/>
             <a:r>
-              <a:rPr lang="da-DK" smtClean="0"/>
-              <a:t>H</a:t>
+              <a:rPr lang="da-DK"/>
+              <a:t>!</a:t>
             </a:r>
             <a:endParaRPr lang="da-DK"/>
           </a:p>
@@ -11800,7 +11441,7 @@
             <a:pPr algn="ctr"/>
             <a:r>
               <a:rPr lang="da-DK" smtClean="0"/>
-              <a:t>Æ</a:t>
+              <a:t>+</a:t>
             </a:r>
             <a:endParaRPr lang="da-DK"/>
           </a:p>
@@ -11909,9 +11550,6 @@
               </a:rPr>
               <a:t> (number &lt; 5)</a:t>
             </a:r>
-            <a:endParaRPr lang="da-DK" sz="3600" b="1" smtClean="0">
-              <a:latin typeface="Consolas" panose="020B0609020204030204" pitchFamily="49" charset="0"/>
-            </a:endParaRPr>
           </a:p>
           <a:p>
             <a:r>
@@ -11963,9 +11601,6 @@
               </a:rPr>
               <a:t>);</a:t>
             </a:r>
-            <a:endParaRPr lang="da-DK" sz="3600" b="1" smtClean="0">
-              <a:latin typeface="Consolas" panose="020B0609020204030204" pitchFamily="49" charset="0"/>
-            </a:endParaRPr>
           </a:p>
           <a:p>
             <a:r>
@@ -12007,14 +11642,6 @@
               </a:rPr>
               <a:t> </a:t>
             </a:r>
-            <a:endParaRPr lang="da-DK" sz="3600" b="1" smtClean="0">
-              <a:solidFill>
-                <a:schemeClr val="accent6">
-                  <a:lumMod val="75000"/>
-                </a:schemeClr>
-              </a:solidFill>
-              <a:latin typeface="Consolas" panose="020B0609020204030204" pitchFamily="49" charset="0"/>
-            </a:endParaRPr>
           </a:p>
           <a:p>
             <a:r>
@@ -12263,9 +11890,6 @@
               </a:rPr>
               <a:t> (number &lt; 5)</a:t>
             </a:r>
-            <a:endParaRPr lang="da-DK" sz="3600" b="1" smtClean="0">
-              <a:latin typeface="Consolas" panose="020B0609020204030204" pitchFamily="49" charset="0"/>
-            </a:endParaRPr>
           </a:p>
           <a:p>
             <a:r>
@@ -12317,9 +11941,6 @@
               </a:rPr>
               <a:t>);</a:t>
             </a:r>
-            <a:endParaRPr lang="da-DK" sz="3600" b="1" smtClean="0">
-              <a:latin typeface="Consolas" panose="020B0609020204030204" pitchFamily="49" charset="0"/>
-            </a:endParaRPr>
           </a:p>
           <a:p>
             <a:r>
@@ -12361,14 +11982,6 @@
               </a:rPr>
               <a:t> </a:t>
             </a:r>
-            <a:endParaRPr lang="da-DK" sz="3600" b="1" smtClean="0">
-              <a:solidFill>
-                <a:schemeClr val="accent6">
-                  <a:lumMod val="75000"/>
-                </a:schemeClr>
-              </a:solidFill>
-              <a:latin typeface="Consolas" panose="020B0609020204030204" pitchFamily="49" charset="0"/>
-            </a:endParaRPr>
           </a:p>
           <a:p>
             <a:r>
@@ -12420,8 +12033,8 @@
           <a:p>
             <a:pPr algn="ctr"/>
             <a:r>
-              <a:rPr lang="da-DK" smtClean="0"/>
-              <a:t>I</a:t>
+              <a:rPr lang="da-DK"/>
+              <a:t>=</a:t>
             </a:r>
             <a:endParaRPr lang="da-DK"/>
           </a:p>
@@ -12530,9 +12143,6 @@
               </a:rPr>
               <a:t> (number &lt; 5)</a:t>
             </a:r>
-            <a:endParaRPr lang="da-DK" sz="3600" b="1" smtClean="0">
-              <a:latin typeface="Consolas" panose="020B0609020204030204" pitchFamily="49" charset="0"/>
-            </a:endParaRPr>
           </a:p>
           <a:p>
             <a:r>
@@ -12584,9 +12194,6 @@
               </a:rPr>
               <a:t>);</a:t>
             </a:r>
-            <a:endParaRPr lang="da-DK" sz="3600" b="1" smtClean="0">
-              <a:latin typeface="Consolas" panose="020B0609020204030204" pitchFamily="49" charset="0"/>
-            </a:endParaRPr>
           </a:p>
           <a:p>
             <a:r>
@@ -12628,14 +12235,6 @@
               </a:rPr>
               <a:t> </a:t>
             </a:r>
-            <a:endParaRPr lang="da-DK" sz="3600" b="1" smtClean="0">
-              <a:solidFill>
-                <a:schemeClr val="accent6">
-                  <a:lumMod val="75000"/>
-                </a:schemeClr>
-              </a:solidFill>
-              <a:latin typeface="Consolas" panose="020B0609020204030204" pitchFamily="49" charset="0"/>
-            </a:endParaRPr>
           </a:p>
           <a:p>
             <a:r>
@@ -12687,8 +12286,8 @@
           <a:p>
             <a:pPr algn="ctr"/>
             <a:r>
-              <a:rPr lang="da-DK" smtClean="0"/>
-              <a:t>I</a:t>
+              <a:rPr lang="da-DK"/>
+              <a:t>=</a:t>
             </a:r>
             <a:endParaRPr lang="da-DK"/>
           </a:p>
@@ -12736,8 +12335,8 @@
           <a:p>
             <a:pPr algn="ctr"/>
             <a:r>
-              <a:rPr lang="da-DK" smtClean="0"/>
-              <a:t>B</a:t>
+              <a:rPr lang="da-DK"/>
+              <a:t>?</a:t>
             </a:r>
             <a:endParaRPr lang="da-DK"/>
           </a:p>
@@ -12846,9 +12445,6 @@
               </a:rPr>
               <a:t> (number &lt; 5)</a:t>
             </a:r>
-            <a:endParaRPr lang="da-DK" sz="3600" b="1" smtClean="0">
-              <a:latin typeface="Consolas" panose="020B0609020204030204" pitchFamily="49" charset="0"/>
-            </a:endParaRPr>
           </a:p>
           <a:p>
             <a:r>
@@ -12900,9 +12496,6 @@
               </a:rPr>
               <a:t>);</a:t>
             </a:r>
-            <a:endParaRPr lang="da-DK" sz="3600" b="1" smtClean="0">
-              <a:latin typeface="Consolas" panose="020B0609020204030204" pitchFamily="49" charset="0"/>
-            </a:endParaRPr>
           </a:p>
           <a:p>
             <a:r>
@@ -12944,14 +12537,6 @@
               </a:rPr>
               <a:t> </a:t>
             </a:r>
-            <a:endParaRPr lang="da-DK" sz="3600" b="1" smtClean="0">
-              <a:solidFill>
-                <a:schemeClr val="accent6">
-                  <a:lumMod val="75000"/>
-                </a:schemeClr>
-              </a:solidFill>
-              <a:latin typeface="Consolas" panose="020B0609020204030204" pitchFamily="49" charset="0"/>
-            </a:endParaRPr>
           </a:p>
           <a:p>
             <a:r>
@@ -13003,8 +12588,8 @@
           <a:p>
             <a:pPr algn="ctr"/>
             <a:r>
-              <a:rPr lang="da-DK" smtClean="0"/>
-              <a:t>I</a:t>
+              <a:rPr lang="da-DK"/>
+              <a:t>=</a:t>
             </a:r>
             <a:endParaRPr lang="da-DK"/>
           </a:p>
@@ -13059,8 +12644,8 @@
           <a:p>
             <a:pPr algn="ctr"/>
             <a:r>
-              <a:rPr lang="da-DK" smtClean="0"/>
-              <a:t>B</a:t>
+              <a:rPr lang="da-DK"/>
+              <a:t>?</a:t>
             </a:r>
             <a:endParaRPr lang="da-DK"/>
           </a:p>
@@ -13169,9 +12754,6 @@
               </a:rPr>
               <a:t> (number &lt; 5)</a:t>
             </a:r>
-            <a:endParaRPr lang="da-DK" sz="3600" b="1" smtClean="0">
-              <a:latin typeface="Consolas" panose="020B0609020204030204" pitchFamily="49" charset="0"/>
-            </a:endParaRPr>
           </a:p>
           <a:p>
             <a:r>
@@ -13223,9 +12805,6 @@
               </a:rPr>
               <a:t>);</a:t>
             </a:r>
-            <a:endParaRPr lang="da-DK" sz="3600" b="1" smtClean="0">
-              <a:latin typeface="Consolas" panose="020B0609020204030204" pitchFamily="49" charset="0"/>
-            </a:endParaRPr>
           </a:p>
           <a:p>
             <a:r>
@@ -13267,14 +12846,6 @@
               </a:rPr>
               <a:t> </a:t>
             </a:r>
-            <a:endParaRPr lang="da-DK" sz="3600" b="1" smtClean="0">
-              <a:solidFill>
-                <a:schemeClr val="accent6">
-                  <a:lumMod val="75000"/>
-                </a:schemeClr>
-              </a:solidFill>
-              <a:latin typeface="Consolas" panose="020B0609020204030204" pitchFamily="49" charset="0"/>
-            </a:endParaRPr>
           </a:p>
           <a:p>
             <a:r>
@@ -13326,8 +12897,8 @@
           <a:p>
             <a:pPr algn="ctr"/>
             <a:r>
-              <a:rPr lang="da-DK" smtClean="0"/>
-              <a:t>I</a:t>
+              <a:rPr lang="da-DK"/>
+              <a:t>=</a:t>
             </a:r>
             <a:endParaRPr lang="da-DK"/>
           </a:p>
@@ -13375,8 +12946,8 @@
           <a:p>
             <a:pPr algn="ctr"/>
             <a:r>
-              <a:rPr lang="da-DK" smtClean="0"/>
-              <a:t>B</a:t>
+              <a:rPr lang="da-DK"/>
+              <a:t>?</a:t>
             </a:r>
             <a:endParaRPr lang="da-DK"/>
           </a:p>
@@ -13425,7 +12996,7 @@
             <a:pPr algn="ctr"/>
             <a:r>
               <a:rPr lang="da-DK" smtClean="0"/>
-              <a:t>H</a:t>
+              <a:t>!</a:t>
             </a:r>
             <a:endParaRPr lang="da-DK"/>
           </a:p>
@@ -13534,9 +13105,6 @@
               </a:rPr>
               <a:t> (number &lt; 5)</a:t>
             </a:r>
-            <a:endParaRPr lang="da-DK" sz="3600" b="1" smtClean="0">
-              <a:latin typeface="Consolas" panose="020B0609020204030204" pitchFamily="49" charset="0"/>
-            </a:endParaRPr>
           </a:p>
           <a:p>
             <a:r>
@@ -13588,9 +13156,6 @@
               </a:rPr>
               <a:t>);</a:t>
             </a:r>
-            <a:endParaRPr lang="da-DK" sz="3600" b="1" smtClean="0">
-              <a:latin typeface="Consolas" panose="020B0609020204030204" pitchFamily="49" charset="0"/>
-            </a:endParaRPr>
           </a:p>
           <a:p>
             <a:r>
@@ -13632,14 +13197,6 @@
               </a:rPr>
               <a:t> </a:t>
             </a:r>
-            <a:endParaRPr lang="da-DK" sz="3600" b="1" smtClean="0">
-              <a:solidFill>
-                <a:schemeClr val="accent6">
-                  <a:lumMod val="75000"/>
-                </a:schemeClr>
-              </a:solidFill>
-              <a:latin typeface="Consolas" panose="020B0609020204030204" pitchFamily="49" charset="0"/>
-            </a:endParaRPr>
           </a:p>
           <a:p>
             <a:r>
@@ -13691,8 +13248,8 @@
           <a:p>
             <a:pPr algn="ctr"/>
             <a:r>
-              <a:rPr lang="da-DK" smtClean="0"/>
-              <a:t>I</a:t>
+              <a:rPr lang="da-DK"/>
+              <a:t>=</a:t>
             </a:r>
             <a:endParaRPr lang="da-DK"/>
           </a:p>
@@ -13740,8 +13297,8 @@
           <a:p>
             <a:pPr algn="ctr"/>
             <a:r>
-              <a:rPr lang="da-DK" smtClean="0"/>
-              <a:t>B</a:t>
+              <a:rPr lang="da-DK"/>
+              <a:t>?</a:t>
             </a:r>
             <a:endParaRPr lang="da-DK"/>
           </a:p>
@@ -13790,7 +13347,7 @@
             <a:pPr algn="ctr"/>
             <a:r>
               <a:rPr lang="da-DK" smtClean="0"/>
-              <a:t>H</a:t>
+              <a:t>!</a:t>
             </a:r>
             <a:endParaRPr lang="da-DK"/>
           </a:p>
@@ -13839,7 +13396,7 @@
             <a:pPr algn="ctr"/>
             <a:r>
               <a:rPr lang="da-DK" smtClean="0"/>
-              <a:t>Æ</a:t>
+              <a:t>+</a:t>
             </a:r>
             <a:endParaRPr lang="da-DK"/>
           </a:p>
@@ -13948,9 +13505,6 @@
               </a:rPr>
               <a:t> (number &lt; 5)</a:t>
             </a:r>
-            <a:endParaRPr lang="da-DK" sz="3600" b="1" smtClean="0">
-              <a:latin typeface="Consolas" panose="020B0609020204030204" pitchFamily="49" charset="0"/>
-            </a:endParaRPr>
           </a:p>
           <a:p>
             <a:r>
@@ -14002,9 +13556,6 @@
               </a:rPr>
               <a:t>);</a:t>
             </a:r>
-            <a:endParaRPr lang="da-DK" sz="3600" b="1" smtClean="0">
-              <a:latin typeface="Consolas" panose="020B0609020204030204" pitchFamily="49" charset="0"/>
-            </a:endParaRPr>
           </a:p>
           <a:p>
             <a:r>
@@ -14046,14 +13597,6 @@
               </a:rPr>
               <a:t> </a:t>
             </a:r>
-            <a:endParaRPr lang="da-DK" sz="3600" b="1" smtClean="0">
-              <a:solidFill>
-                <a:schemeClr val="accent6">
-                  <a:lumMod val="75000"/>
-                </a:schemeClr>
-              </a:solidFill>
-              <a:latin typeface="Consolas" panose="020B0609020204030204" pitchFamily="49" charset="0"/>
-            </a:endParaRPr>
           </a:p>
           <a:p>
             <a:r>
@@ -14105,8 +13648,8 @@
           <a:p>
             <a:pPr algn="ctr"/>
             <a:r>
-              <a:rPr lang="da-DK" smtClean="0"/>
-              <a:t>I</a:t>
+              <a:rPr lang="da-DK"/>
+              <a:t>=</a:t>
             </a:r>
             <a:endParaRPr lang="da-DK"/>
           </a:p>
@@ -14155,7 +13698,7 @@
             <a:pPr algn="ctr"/>
             <a:r>
               <a:rPr lang="da-DK" smtClean="0"/>
-              <a:t>B</a:t>
+              <a:t>?</a:t>
             </a:r>
             <a:endParaRPr lang="da-DK"/>
           </a:p>
@@ -14204,7 +13747,7 @@
             <a:pPr algn="ctr"/>
             <a:r>
               <a:rPr lang="da-DK" smtClean="0"/>
-              <a:t>H</a:t>
+              <a:t>!</a:t>
             </a:r>
             <a:endParaRPr lang="da-DK"/>
           </a:p>
@@ -14253,7 +13796,7 @@
             <a:pPr algn="ctr"/>
             <a:r>
               <a:rPr lang="da-DK" smtClean="0"/>
-              <a:t>Æ</a:t>
+              <a:t>+</a:t>
             </a:r>
             <a:endParaRPr lang="da-DK"/>
           </a:p>
@@ -14301,8 +13844,8 @@
           <a:p>
             <a:pPr algn="ctr"/>
             <a:r>
-              <a:rPr lang="da-DK" smtClean="0"/>
-              <a:t>B</a:t>
+              <a:rPr lang="da-DK"/>
+              <a:t>?</a:t>
             </a:r>
             <a:endParaRPr lang="da-DK"/>
           </a:p>
@@ -14411,9 +13954,6 @@
               </a:rPr>
               <a:t> (number &lt; 5)</a:t>
             </a:r>
-            <a:endParaRPr lang="da-DK" sz="3600" b="1" smtClean="0">
-              <a:latin typeface="Consolas" panose="020B0609020204030204" pitchFamily="49" charset="0"/>
-            </a:endParaRPr>
           </a:p>
           <a:p>
             <a:r>
@@ -14465,9 +14005,6 @@
               </a:rPr>
               <a:t>);</a:t>
             </a:r>
-            <a:endParaRPr lang="da-DK" sz="3600" b="1" smtClean="0">
-              <a:latin typeface="Consolas" panose="020B0609020204030204" pitchFamily="49" charset="0"/>
-            </a:endParaRPr>
           </a:p>
           <a:p>
             <a:r>
@@ -14509,14 +14046,6 @@
               </a:rPr>
               <a:t> </a:t>
             </a:r>
-            <a:endParaRPr lang="da-DK" sz="3600" b="1" smtClean="0">
-              <a:solidFill>
-                <a:schemeClr val="accent6">
-                  <a:lumMod val="75000"/>
-                </a:schemeClr>
-              </a:solidFill>
-              <a:latin typeface="Consolas" panose="020B0609020204030204" pitchFamily="49" charset="0"/>
-            </a:endParaRPr>
           </a:p>
           <a:p>
             <a:r>
@@ -14568,8 +14097,8 @@
           <a:p>
             <a:pPr algn="ctr"/>
             <a:r>
-              <a:rPr lang="da-DK" smtClean="0"/>
-              <a:t>I</a:t>
+              <a:rPr lang="da-DK"/>
+              <a:t>=</a:t>
             </a:r>
             <a:endParaRPr lang="da-DK"/>
           </a:p>
@@ -14618,7 +14147,7 @@
             <a:pPr algn="ctr"/>
             <a:r>
               <a:rPr lang="da-DK" smtClean="0"/>
-              <a:t>B</a:t>
+              <a:t>?</a:t>
             </a:r>
             <a:endParaRPr lang="da-DK"/>
           </a:p>
@@ -14667,7 +14196,7 @@
             <a:pPr algn="ctr"/>
             <a:r>
               <a:rPr lang="da-DK" smtClean="0"/>
-              <a:t>H</a:t>
+              <a:t>!</a:t>
             </a:r>
             <a:endParaRPr lang="da-DK"/>
           </a:p>
@@ -14716,7 +14245,7 @@
             <a:pPr algn="ctr"/>
             <a:r>
               <a:rPr lang="da-DK" smtClean="0"/>
-              <a:t>Æ</a:t>
+              <a:t>+</a:t>
             </a:r>
             <a:endParaRPr lang="da-DK"/>
           </a:p>
@@ -14764,8 +14293,8 @@
           <a:p>
             <a:pPr algn="ctr"/>
             <a:r>
-              <a:rPr lang="da-DK" smtClean="0"/>
-              <a:t>B</a:t>
+              <a:rPr lang="da-DK"/>
+              <a:t>?</a:t>
             </a:r>
             <a:endParaRPr lang="da-DK"/>
           </a:p>
@@ -14774,7 +14303,7 @@
     </p:spTree>
     <p:extLst>
       <p:ext uri="{BB962C8B-B14F-4D97-AF65-F5344CB8AC3E}">
-        <p14:creationId xmlns:p14="http://schemas.microsoft.com/office/powerpoint/2010/main" val="1515338214"/>
+        <p14:creationId xmlns:p14="http://schemas.microsoft.com/office/powerpoint/2010/main" val="3543280833"/>
       </p:ext>
     </p:extLst>
   </p:cSld>
@@ -14874,9 +14403,6 @@
               </a:rPr>
               <a:t> (number &lt; 5)</a:t>
             </a:r>
-            <a:endParaRPr lang="da-DK" sz="3600" b="1" smtClean="0">
-              <a:latin typeface="Consolas" panose="020B0609020204030204" pitchFamily="49" charset="0"/>
-            </a:endParaRPr>
           </a:p>
           <a:p>
             <a:r>
@@ -14928,9 +14454,6 @@
               </a:rPr>
               <a:t>);</a:t>
             </a:r>
-            <a:endParaRPr lang="da-DK" sz="3600" b="1" smtClean="0">
-              <a:latin typeface="Consolas" panose="020B0609020204030204" pitchFamily="49" charset="0"/>
-            </a:endParaRPr>
           </a:p>
           <a:p>
             <a:r>
@@ -14972,14 +14495,6 @@
               </a:rPr>
               <a:t> </a:t>
             </a:r>
-            <a:endParaRPr lang="da-DK" sz="3600" b="1" smtClean="0">
-              <a:solidFill>
-                <a:schemeClr val="accent6">
-                  <a:lumMod val="75000"/>
-                </a:schemeClr>
-              </a:solidFill>
-              <a:latin typeface="Consolas" panose="020B0609020204030204" pitchFamily="49" charset="0"/>
-            </a:endParaRPr>
           </a:p>
           <a:p>
             <a:r>
@@ -15031,8 +14546,8 @@
           <a:p>
             <a:pPr algn="ctr"/>
             <a:r>
-              <a:rPr lang="da-DK" smtClean="0"/>
-              <a:t>I</a:t>
+              <a:rPr lang="da-DK"/>
+              <a:t>=</a:t>
             </a:r>
             <a:endParaRPr lang="da-DK"/>
           </a:p>
@@ -15081,7 +14596,7 @@
             <a:pPr algn="ctr"/>
             <a:r>
               <a:rPr lang="da-DK" smtClean="0"/>
-              <a:t>B</a:t>
+              <a:t>?</a:t>
             </a:r>
             <a:endParaRPr lang="da-DK"/>
           </a:p>
@@ -15130,7 +14645,7 @@
             <a:pPr algn="ctr"/>
             <a:r>
               <a:rPr lang="da-DK" smtClean="0"/>
-              <a:t>H</a:t>
+              <a:t>!</a:t>
             </a:r>
             <a:endParaRPr lang="da-DK"/>
           </a:p>
@@ -15179,7 +14694,7 @@
             <a:pPr algn="ctr"/>
             <a:r>
               <a:rPr lang="da-DK" smtClean="0"/>
-              <a:t>Æ</a:t>
+              <a:t>+</a:t>
             </a:r>
             <a:endParaRPr lang="da-DK"/>
           </a:p>
@@ -15227,8 +14742,8 @@
           <a:p>
             <a:pPr algn="ctr"/>
             <a:r>
-              <a:rPr lang="da-DK" smtClean="0"/>
-              <a:t>B</a:t>
+              <a:rPr lang="da-DK"/>
+              <a:t>?</a:t>
             </a:r>
             <a:endParaRPr lang="da-DK"/>
           </a:p>
@@ -15277,7 +14792,7 @@
             <a:pPr algn="ctr"/>
             <a:r>
               <a:rPr lang="da-DK" smtClean="0"/>
-              <a:t>H</a:t>
+              <a:t>!</a:t>
             </a:r>
             <a:endParaRPr lang="da-DK"/>
           </a:p>
@@ -15286,7 +14801,7 @@
     </p:spTree>
     <p:extLst>
       <p:ext uri="{BB962C8B-B14F-4D97-AF65-F5344CB8AC3E}">
-        <p14:creationId xmlns:p14="http://schemas.microsoft.com/office/powerpoint/2010/main" val="426004029"/>
+        <p14:creationId xmlns:p14="http://schemas.microsoft.com/office/powerpoint/2010/main" val="2787279844"/>
       </p:ext>
     </p:extLst>
   </p:cSld>
@@ -15386,9 +14901,6 @@
               </a:rPr>
               <a:t> (number &lt; 5)</a:t>
             </a:r>
-            <a:endParaRPr lang="da-DK" sz="3600" b="1" smtClean="0">
-              <a:latin typeface="Consolas" panose="020B0609020204030204" pitchFamily="49" charset="0"/>
-            </a:endParaRPr>
           </a:p>
           <a:p>
             <a:r>
@@ -15440,9 +14952,6 @@
               </a:rPr>
               <a:t>);</a:t>
             </a:r>
-            <a:endParaRPr lang="da-DK" sz="3600" b="1" smtClean="0">
-              <a:latin typeface="Consolas" panose="020B0609020204030204" pitchFamily="49" charset="0"/>
-            </a:endParaRPr>
           </a:p>
           <a:p>
             <a:r>
@@ -15484,14 +14993,6 @@
               </a:rPr>
               <a:t> </a:t>
             </a:r>
-            <a:endParaRPr lang="da-DK" sz="3600" b="1" smtClean="0">
-              <a:solidFill>
-                <a:schemeClr val="accent6">
-                  <a:lumMod val="75000"/>
-                </a:schemeClr>
-              </a:solidFill>
-              <a:latin typeface="Consolas" panose="020B0609020204030204" pitchFamily="49" charset="0"/>
-            </a:endParaRPr>
           </a:p>
           <a:p>
             <a:r>
@@ -15543,8 +15044,8 @@
           <a:p>
             <a:pPr algn="ctr"/>
             <a:r>
-              <a:rPr lang="da-DK" smtClean="0"/>
-              <a:t>I</a:t>
+              <a:rPr lang="da-DK"/>
+              <a:t>=</a:t>
             </a:r>
             <a:endParaRPr lang="da-DK"/>
           </a:p>
@@ -15593,7 +15094,7 @@
             <a:pPr algn="ctr"/>
             <a:r>
               <a:rPr lang="da-DK" smtClean="0"/>
-              <a:t>B</a:t>
+              <a:t>?</a:t>
             </a:r>
             <a:endParaRPr lang="da-DK"/>
           </a:p>
@@ -15642,7 +15143,7 @@
             <a:pPr algn="ctr"/>
             <a:r>
               <a:rPr lang="da-DK" smtClean="0"/>
-              <a:t>H</a:t>
+              <a:t>!</a:t>
             </a:r>
             <a:endParaRPr lang="da-DK"/>
           </a:p>
@@ -15691,7 +15192,7 @@
             <a:pPr algn="ctr"/>
             <a:r>
               <a:rPr lang="da-DK" smtClean="0"/>
-              <a:t>Æ</a:t>
+              <a:t>+</a:t>
             </a:r>
             <a:endParaRPr lang="da-DK"/>
           </a:p>
@@ -15739,8 +15240,8 @@
           <a:p>
             <a:pPr algn="ctr"/>
             <a:r>
-              <a:rPr lang="da-DK" smtClean="0"/>
-              <a:t>B</a:t>
+              <a:rPr lang="da-DK"/>
+              <a:t>?</a:t>
             </a:r>
             <a:endParaRPr lang="da-DK"/>
           </a:p>
@@ -15789,7 +15290,7 @@
             <a:pPr algn="ctr"/>
             <a:r>
               <a:rPr lang="da-DK" smtClean="0"/>
-              <a:t>H</a:t>
+              <a:t>!</a:t>
             </a:r>
             <a:endParaRPr lang="da-DK"/>
           </a:p>
@@ -15838,7 +15339,7 @@
             <a:pPr algn="ctr"/>
             <a:r>
               <a:rPr lang="da-DK" smtClean="0"/>
-              <a:t>Æ</a:t>
+              <a:t>+</a:t>
             </a:r>
             <a:endParaRPr lang="da-DK"/>
           </a:p>
@@ -15847,7 +15348,7 @@
     </p:spTree>
     <p:extLst>
       <p:ext uri="{BB962C8B-B14F-4D97-AF65-F5344CB8AC3E}">
-        <p14:creationId xmlns:p14="http://schemas.microsoft.com/office/powerpoint/2010/main" val="3712501496"/>
+        <p14:creationId xmlns:p14="http://schemas.microsoft.com/office/powerpoint/2010/main" val="2205163974"/>
       </p:ext>
     </p:extLst>
   </p:cSld>
@@ -15947,9 +15448,6 @@
               </a:rPr>
               <a:t> (number &lt; 5)</a:t>
             </a:r>
-            <a:endParaRPr lang="da-DK" sz="3600" b="1" smtClean="0">
-              <a:latin typeface="Consolas" panose="020B0609020204030204" pitchFamily="49" charset="0"/>
-            </a:endParaRPr>
           </a:p>
           <a:p>
             <a:r>
@@ -16001,9 +15499,6 @@
               </a:rPr>
               <a:t>);</a:t>
             </a:r>
-            <a:endParaRPr lang="da-DK" sz="3600" b="1" smtClean="0">
-              <a:latin typeface="Consolas" panose="020B0609020204030204" pitchFamily="49" charset="0"/>
-            </a:endParaRPr>
           </a:p>
           <a:p>
             <a:r>
@@ -16045,14 +15540,6 @@
               </a:rPr>
               <a:t> </a:t>
             </a:r>
-            <a:endParaRPr lang="da-DK" sz="3600" b="1" smtClean="0">
-              <a:solidFill>
-                <a:schemeClr val="accent6">
-                  <a:lumMod val="75000"/>
-                </a:schemeClr>
-              </a:solidFill>
-              <a:latin typeface="Consolas" panose="020B0609020204030204" pitchFamily="49" charset="0"/>
-            </a:endParaRPr>
           </a:p>
           <a:p>
             <a:r>
@@ -16104,8 +15591,8 @@
           <a:p>
             <a:pPr algn="ctr"/>
             <a:r>
-              <a:rPr lang="da-DK" smtClean="0"/>
-              <a:t>I</a:t>
+              <a:rPr lang="da-DK"/>
+              <a:t>=</a:t>
             </a:r>
             <a:endParaRPr lang="da-DK"/>
           </a:p>
@@ -16154,7 +15641,7 @@
             <a:pPr algn="ctr"/>
             <a:r>
               <a:rPr lang="da-DK" smtClean="0"/>
-              <a:t>B</a:t>
+              <a:t>?</a:t>
             </a:r>
             <a:endParaRPr lang="da-DK"/>
           </a:p>
@@ -16203,7 +15690,7 @@
             <a:pPr algn="ctr"/>
             <a:r>
               <a:rPr lang="da-DK" smtClean="0"/>
-              <a:t>H</a:t>
+              <a:t>!</a:t>
             </a:r>
             <a:endParaRPr lang="da-DK"/>
           </a:p>
@@ -16252,7 +15739,7 @@
             <a:pPr algn="ctr"/>
             <a:r>
               <a:rPr lang="da-DK" smtClean="0"/>
-              <a:t>Æ</a:t>
+              <a:t>+</a:t>
             </a:r>
             <a:endParaRPr lang="da-DK"/>
           </a:p>
@@ -16300,8 +15787,8 @@
           <a:p>
             <a:pPr algn="ctr"/>
             <a:r>
-              <a:rPr lang="da-DK" smtClean="0"/>
-              <a:t>B</a:t>
+              <a:rPr lang="da-DK"/>
+              <a:t>?</a:t>
             </a:r>
             <a:endParaRPr lang="da-DK"/>
           </a:p>
@@ -16350,7 +15837,7 @@
             <a:pPr algn="ctr"/>
             <a:r>
               <a:rPr lang="da-DK" smtClean="0"/>
-              <a:t>H</a:t>
+              <a:t>!</a:t>
             </a:r>
             <a:endParaRPr lang="da-DK"/>
           </a:p>
@@ -16399,7 +15886,7 @@
             <a:pPr algn="ctr"/>
             <a:r>
               <a:rPr lang="da-DK" smtClean="0"/>
-              <a:t>Æ</a:t>
+              <a:t>+</a:t>
             </a:r>
             <a:endParaRPr lang="da-DK"/>
           </a:p>
@@ -16447,8 +15934,8 @@
           <a:p>
             <a:pPr algn="ctr"/>
             <a:r>
-              <a:rPr lang="da-DK" smtClean="0"/>
-              <a:t>B</a:t>
+              <a:rPr lang="da-DK"/>
+              <a:t>?</a:t>
             </a:r>
             <a:endParaRPr lang="da-DK"/>
           </a:p>
@@ -16457,7 +15944,7 @@
     </p:spTree>
     <p:extLst>
       <p:ext uri="{BB962C8B-B14F-4D97-AF65-F5344CB8AC3E}">
-        <p14:creationId xmlns:p14="http://schemas.microsoft.com/office/powerpoint/2010/main" val="2819482154"/>
+        <p14:creationId xmlns:p14="http://schemas.microsoft.com/office/powerpoint/2010/main" val="539697292"/>
       </p:ext>
     </p:extLst>
   </p:cSld>
@@ -16769,9 +16256,6 @@
               </a:rPr>
               <a:t> (number &lt; 5)</a:t>
             </a:r>
-            <a:endParaRPr lang="da-DK" sz="3600" b="1" smtClean="0">
-              <a:latin typeface="Consolas" panose="020B0609020204030204" pitchFamily="49" charset="0"/>
-            </a:endParaRPr>
           </a:p>
           <a:p>
             <a:r>
@@ -16823,9 +16307,6 @@
               </a:rPr>
               <a:t>);</a:t>
             </a:r>
-            <a:endParaRPr lang="da-DK" sz="3600" b="1" smtClean="0">
-              <a:latin typeface="Consolas" panose="020B0609020204030204" pitchFamily="49" charset="0"/>
-            </a:endParaRPr>
           </a:p>
           <a:p>
             <a:r>
@@ -16867,14 +16348,6 @@
               </a:rPr>
               <a:t> </a:t>
             </a:r>
-            <a:endParaRPr lang="da-DK" sz="3600" b="1" smtClean="0">
-              <a:solidFill>
-                <a:schemeClr val="accent6">
-                  <a:lumMod val="75000"/>
-                </a:schemeClr>
-              </a:solidFill>
-              <a:latin typeface="Consolas" panose="020B0609020204030204" pitchFamily="49" charset="0"/>
-            </a:endParaRPr>
           </a:p>
           <a:p>
             <a:r>
@@ -16926,8 +16399,8 @@
           <a:p>
             <a:pPr algn="ctr"/>
             <a:r>
-              <a:rPr lang="da-DK" smtClean="0"/>
-              <a:t>I</a:t>
+              <a:rPr lang="da-DK"/>
+              <a:t>=</a:t>
             </a:r>
             <a:endParaRPr lang="da-DK"/>
           </a:p>
@@ -16976,7 +16449,7 @@
             <a:pPr algn="ctr"/>
             <a:r>
               <a:rPr lang="da-DK" smtClean="0"/>
-              <a:t>B</a:t>
+              <a:t>?</a:t>
             </a:r>
             <a:endParaRPr lang="da-DK"/>
           </a:p>
@@ -17025,7 +16498,7 @@
             <a:pPr algn="ctr"/>
             <a:r>
               <a:rPr lang="da-DK" smtClean="0"/>
-              <a:t>H</a:t>
+              <a:t>!</a:t>
             </a:r>
             <a:endParaRPr lang="da-DK"/>
           </a:p>
@@ -17074,7 +16547,7 @@
             <a:pPr algn="ctr"/>
             <a:r>
               <a:rPr lang="da-DK" smtClean="0"/>
-              <a:t>Æ</a:t>
+              <a:t>+</a:t>
             </a:r>
             <a:endParaRPr lang="da-DK"/>
           </a:p>
@@ -17122,8 +16595,8 @@
           <a:p>
             <a:pPr algn="ctr"/>
             <a:r>
-              <a:rPr lang="da-DK" smtClean="0"/>
-              <a:t>B</a:t>
+              <a:rPr lang="da-DK"/>
+              <a:t>?</a:t>
             </a:r>
             <a:endParaRPr lang="da-DK"/>
           </a:p>
@@ -17172,7 +16645,7 @@
             <a:pPr algn="ctr"/>
             <a:r>
               <a:rPr lang="da-DK" smtClean="0"/>
-              <a:t>H</a:t>
+              <a:t>!</a:t>
             </a:r>
             <a:endParaRPr lang="da-DK"/>
           </a:p>
@@ -17221,7 +16694,7 @@
             <a:pPr algn="ctr"/>
             <a:r>
               <a:rPr lang="da-DK" smtClean="0"/>
-              <a:t>Æ</a:t>
+              <a:t>+</a:t>
             </a:r>
             <a:endParaRPr lang="da-DK"/>
           </a:p>
@@ -17267,8 +16740,8 @@
           <a:p>
             <a:pPr algn="ctr"/>
             <a:r>
-              <a:rPr lang="da-DK" smtClean="0"/>
-              <a:t>B</a:t>
+              <a:rPr lang="da-DK"/>
+              <a:t>?</a:t>
             </a:r>
             <a:endParaRPr lang="da-DK"/>
           </a:p>
@@ -17277,7 +16750,7 @@
     </p:spTree>
     <p:extLst>
       <p:ext uri="{BB962C8B-B14F-4D97-AF65-F5344CB8AC3E}">
-        <p14:creationId xmlns:p14="http://schemas.microsoft.com/office/powerpoint/2010/main" val="2365795192"/>
+        <p14:creationId xmlns:p14="http://schemas.microsoft.com/office/powerpoint/2010/main" val="3316366122"/>
       </p:ext>
     </p:extLst>
   </p:cSld>
@@ -17373,13 +16846,7 @@
               <a:rPr lang="da-DK" sz="2800" b="1">
                 <a:latin typeface="Consolas" panose="020B0609020204030204" pitchFamily="49" charset="0"/>
               </a:rPr>
-              <a:t>number </a:t>
-            </a:r>
-            <a:r>
-              <a:rPr lang="da-DK" sz="2800" b="1">
-                <a:latin typeface="Consolas" panose="020B0609020204030204" pitchFamily="49" charset="0"/>
-              </a:rPr>
-              <a:t>= </a:t>
+              <a:t>number = </a:t>
             </a:r>
             <a:r>
               <a:rPr lang="da-DK" sz="2800" b="1" smtClean="0">
@@ -17563,13 +17030,7 @@
               <a:rPr lang="da-DK" sz="2800" b="1">
                 <a:latin typeface="Consolas" panose="020B0609020204030204" pitchFamily="49" charset="0"/>
               </a:rPr>
-              <a:t>number </a:t>
-            </a:r>
-            <a:r>
-              <a:rPr lang="da-DK" sz="2800" b="1">
-                <a:latin typeface="Consolas" panose="020B0609020204030204" pitchFamily="49" charset="0"/>
-              </a:rPr>
-              <a:t>= </a:t>
+              <a:t>number = </a:t>
             </a:r>
             <a:r>
               <a:rPr lang="da-DK" sz="2800" b="1" smtClean="0">
@@ -17694,8 +17155,8 @@
           <a:p>
             <a:pPr algn="ctr"/>
             <a:r>
-              <a:rPr lang="da-DK" smtClean="0"/>
-              <a:t>I</a:t>
+              <a:rPr lang="da-DK"/>
+              <a:t>=</a:t>
             </a:r>
             <a:endParaRPr lang="da-DK"/>
           </a:p>
@@ -17800,13 +17261,7 @@
               <a:rPr lang="da-DK" sz="2800" b="1">
                 <a:latin typeface="Consolas" panose="020B0609020204030204" pitchFamily="49" charset="0"/>
               </a:rPr>
-              <a:t>number </a:t>
-            </a:r>
-            <a:r>
-              <a:rPr lang="da-DK" sz="2800" b="1">
-                <a:latin typeface="Consolas" panose="020B0609020204030204" pitchFamily="49" charset="0"/>
-              </a:rPr>
-              <a:t>= </a:t>
+              <a:t>number = </a:t>
             </a:r>
             <a:r>
               <a:rPr lang="da-DK" sz="2800" b="1" smtClean="0">
@@ -17931,8 +17386,8 @@
           <a:p>
             <a:pPr algn="ctr"/>
             <a:r>
-              <a:rPr lang="da-DK" smtClean="0"/>
-              <a:t>I</a:t>
+              <a:rPr lang="da-DK"/>
+              <a:t>=</a:t>
             </a:r>
             <a:endParaRPr lang="da-DK"/>
           </a:p>
@@ -17980,8 +17435,8 @@
           <a:p>
             <a:pPr algn="ctr"/>
             <a:r>
-              <a:rPr lang="da-DK" smtClean="0"/>
-              <a:t>B</a:t>
+              <a:rPr lang="da-DK"/>
+              <a:t>?</a:t>
             </a:r>
             <a:endParaRPr lang="da-DK"/>
           </a:p>
@@ -18086,13 +17541,7 @@
               <a:rPr lang="da-DK" sz="2800" b="1">
                 <a:latin typeface="Consolas" panose="020B0609020204030204" pitchFamily="49" charset="0"/>
               </a:rPr>
-              <a:t>number </a:t>
-            </a:r>
-            <a:r>
-              <a:rPr lang="da-DK" sz="2800" b="1">
-                <a:latin typeface="Consolas" panose="020B0609020204030204" pitchFamily="49" charset="0"/>
-              </a:rPr>
-              <a:t>= </a:t>
+              <a:t>number = </a:t>
             </a:r>
             <a:r>
               <a:rPr lang="da-DK" sz="2800" b="1" smtClean="0">
@@ -18266,8 +17715,8 @@
           <a:p>
             <a:pPr algn="ctr"/>
             <a:r>
-              <a:rPr lang="da-DK" smtClean="0"/>
-              <a:t>B</a:t>
+              <a:rPr lang="da-DK"/>
+              <a:t>?</a:t>
             </a:r>
             <a:endParaRPr lang="da-DK"/>
           </a:p>
@@ -18372,13 +17821,7 @@
               <a:rPr lang="da-DK" sz="2800" b="1">
                 <a:latin typeface="Consolas" panose="020B0609020204030204" pitchFamily="49" charset="0"/>
               </a:rPr>
-              <a:t>number </a:t>
-            </a:r>
-            <a:r>
-              <a:rPr lang="da-DK" sz="2800" b="1">
-                <a:latin typeface="Consolas" panose="020B0609020204030204" pitchFamily="49" charset="0"/>
-              </a:rPr>
-              <a:t>= </a:t>
+              <a:t>number = </a:t>
             </a:r>
             <a:r>
               <a:rPr lang="da-DK" sz="2800" b="1" smtClean="0">
@@ -18503,8 +17946,8 @@
           <a:p>
             <a:pPr algn="ctr"/>
             <a:r>
-              <a:rPr lang="da-DK" smtClean="0"/>
-              <a:t>I</a:t>
+              <a:rPr lang="da-DK"/>
+              <a:t>=</a:t>
             </a:r>
             <a:endParaRPr lang="da-DK"/>
           </a:p>
@@ -18552,8 +17995,8 @@
           <a:p>
             <a:pPr algn="ctr"/>
             <a:r>
-              <a:rPr lang="da-DK" smtClean="0"/>
-              <a:t>B</a:t>
+              <a:rPr lang="da-DK"/>
+              <a:t>?</a:t>
             </a:r>
             <a:endParaRPr lang="da-DK"/>
           </a:p>
@@ -18601,8 +18044,8 @@
           <a:p>
             <a:pPr algn="ctr"/>
             <a:r>
-              <a:rPr lang="da-DK" smtClean="0"/>
-              <a:t>H</a:t>
+              <a:rPr lang="da-DK"/>
+              <a:t>!</a:t>
             </a:r>
             <a:endParaRPr lang="da-DK"/>
           </a:p>
@@ -18707,13 +18150,7 @@
               <a:rPr lang="da-DK" sz="2800" b="1">
                 <a:latin typeface="Consolas" panose="020B0609020204030204" pitchFamily="49" charset="0"/>
               </a:rPr>
-              <a:t>number </a:t>
-            </a:r>
-            <a:r>
-              <a:rPr lang="da-DK" sz="2800" b="1">
-                <a:latin typeface="Consolas" panose="020B0609020204030204" pitchFamily="49" charset="0"/>
-              </a:rPr>
-              <a:t>= </a:t>
+              <a:t>number = </a:t>
             </a:r>
             <a:r>
               <a:rPr lang="da-DK" sz="2800" b="1" smtClean="0">
@@ -18838,8 +18275,8 @@
           <a:p>
             <a:pPr algn="ctr"/>
             <a:r>
-              <a:rPr lang="da-DK" smtClean="0"/>
-              <a:t>I</a:t>
+              <a:rPr lang="da-DK"/>
+              <a:t>=</a:t>
             </a:r>
             <a:endParaRPr lang="da-DK"/>
           </a:p>
@@ -18887,8 +18324,8 @@
           <a:p>
             <a:pPr algn="ctr"/>
             <a:r>
-              <a:rPr lang="da-DK" smtClean="0"/>
-              <a:t>B</a:t>
+              <a:rPr lang="da-DK"/>
+              <a:t>?</a:t>
             </a:r>
             <a:endParaRPr lang="da-DK"/>
           </a:p>
@@ -18896,20 +18333,20 @@
       </p:sp>
       <p:sp>
         <p:nvSpPr>
-          <p:cNvPr id="5" name="Forbindelse 4"/>
+          <p:cNvPr id="6" name="Forbindelse 5"/>
           <p:cNvSpPr/>
           <p:nvPr/>
         </p:nvSpPr>
         <p:spPr>
           <a:xfrm>
-            <a:off x="8850718" y="1805940"/>
+            <a:off x="6834558" y="3171081"/>
             <a:ext cx="457200" cy="457200"/>
           </a:xfrm>
           <a:prstGeom prst="flowChartConnector">
             <a:avLst/>
           </a:prstGeom>
           <a:solidFill>
-            <a:schemeClr val="bg1">
+            <a:schemeClr val="accent4">
               <a:lumMod val="50000"/>
             </a:schemeClr>
           </a:solidFill>
@@ -18936,8 +18373,8 @@
           <a:p>
             <a:pPr algn="ctr"/>
             <a:r>
-              <a:rPr lang="da-DK" smtClean="0"/>
-              <a:t>Æ</a:t>
+              <a:rPr lang="da-DK"/>
+              <a:t>!</a:t>
             </a:r>
             <a:endParaRPr lang="da-DK"/>
           </a:p>
@@ -18945,20 +18382,20 @@
       </p:sp>
       <p:sp>
         <p:nvSpPr>
-          <p:cNvPr id="6" name="Forbindelse 5"/>
+          <p:cNvPr id="7" name="Forbindelse 6"/>
           <p:cNvSpPr/>
           <p:nvPr/>
         </p:nvSpPr>
         <p:spPr>
           <a:xfrm>
-            <a:off x="6834558" y="3171081"/>
+            <a:off x="8850718" y="1805940"/>
             <a:ext cx="457200" cy="457200"/>
           </a:xfrm>
           <a:prstGeom prst="flowChartConnector">
             <a:avLst/>
           </a:prstGeom>
           <a:solidFill>
-            <a:schemeClr val="accent4">
+            <a:schemeClr val="bg1">
               <a:lumMod val="50000"/>
             </a:schemeClr>
           </a:solidFill>
@@ -18986,7 +18423,7 @@
             <a:pPr algn="ctr"/>
             <a:r>
               <a:rPr lang="da-DK" smtClean="0"/>
-              <a:t>H</a:t>
+              <a:t>+</a:t>
             </a:r>
             <a:endParaRPr lang="da-DK"/>
           </a:p>
@@ -18995,7 +18432,7 @@
     </p:spTree>
     <p:extLst>
       <p:ext uri="{BB962C8B-B14F-4D97-AF65-F5344CB8AC3E}">
-        <p14:creationId xmlns:p14="http://schemas.microsoft.com/office/powerpoint/2010/main" val="1532938081"/>
+        <p14:creationId xmlns:p14="http://schemas.microsoft.com/office/powerpoint/2010/main" val="4007119949"/>
       </p:ext>
     </p:extLst>
   </p:cSld>
@@ -19091,13 +18528,7 @@
               <a:rPr lang="da-DK" sz="2800" b="1">
                 <a:latin typeface="Consolas" panose="020B0609020204030204" pitchFamily="49" charset="0"/>
               </a:rPr>
-              <a:t>number </a:t>
-            </a:r>
-            <a:r>
-              <a:rPr lang="da-DK" sz="2800" b="1">
-                <a:latin typeface="Consolas" panose="020B0609020204030204" pitchFamily="49" charset="0"/>
-              </a:rPr>
-              <a:t>= </a:t>
+              <a:t>number = </a:t>
             </a:r>
             <a:r>
               <a:rPr lang="da-DK" sz="2800" b="1" smtClean="0">
@@ -19222,8 +18653,8 @@
           <a:p>
             <a:pPr algn="ctr"/>
             <a:r>
-              <a:rPr lang="da-DK" smtClean="0"/>
-              <a:t>I</a:t>
+              <a:rPr lang="da-DK"/>
+              <a:t>=</a:t>
             </a:r>
             <a:endParaRPr lang="da-DK"/>
           </a:p>
@@ -19271,8 +18702,8 @@
           <a:p>
             <a:pPr algn="ctr"/>
             <a:r>
-              <a:rPr lang="da-DK" smtClean="0"/>
-              <a:t>B</a:t>
+              <a:rPr lang="da-DK"/>
+              <a:t>?</a:t>
             </a:r>
             <a:endParaRPr lang="da-DK"/>
           </a:p>
@@ -19280,20 +18711,20 @@
       </p:sp>
       <p:sp>
         <p:nvSpPr>
-          <p:cNvPr id="5" name="Forbindelse 4"/>
+          <p:cNvPr id="6" name="Forbindelse 5"/>
           <p:cNvSpPr/>
           <p:nvPr/>
         </p:nvSpPr>
         <p:spPr>
           <a:xfrm>
-            <a:off x="8850718" y="1805940"/>
+            <a:off x="6834558" y="3171081"/>
             <a:ext cx="457200" cy="457200"/>
           </a:xfrm>
           <a:prstGeom prst="flowChartConnector">
             <a:avLst/>
           </a:prstGeom>
           <a:solidFill>
-            <a:schemeClr val="bg1">
+            <a:schemeClr val="accent4">
               <a:lumMod val="50000"/>
             </a:schemeClr>
           </a:solidFill>
@@ -19320,8 +18751,8 @@
           <a:p>
             <a:pPr algn="ctr"/>
             <a:r>
-              <a:rPr lang="da-DK" smtClean="0"/>
-              <a:t>Æ</a:t>
+              <a:rPr lang="da-DK"/>
+              <a:t>!</a:t>
             </a:r>
             <a:endParaRPr lang="da-DK"/>
           </a:p>
@@ -19329,20 +18760,20 @@
       </p:sp>
       <p:sp>
         <p:nvSpPr>
-          <p:cNvPr id="6" name="Forbindelse 5"/>
+          <p:cNvPr id="7" name="Forbindelse 6"/>
           <p:cNvSpPr/>
           <p:nvPr/>
         </p:nvSpPr>
         <p:spPr>
           <a:xfrm>
-            <a:off x="6834558" y="3171081"/>
+            <a:off x="8850718" y="1805940"/>
             <a:ext cx="457200" cy="457200"/>
           </a:xfrm>
           <a:prstGeom prst="flowChartConnector">
             <a:avLst/>
           </a:prstGeom>
           <a:solidFill>
-            <a:schemeClr val="accent4">
+            <a:schemeClr val="bg1">
               <a:lumMod val="50000"/>
             </a:schemeClr>
           </a:solidFill>
@@ -19370,7 +18801,7 @@
             <a:pPr algn="ctr"/>
             <a:r>
               <a:rPr lang="da-DK" smtClean="0"/>
-              <a:t>H</a:t>
+              <a:t>+</a:t>
             </a:r>
             <a:endParaRPr lang="da-DK"/>
           </a:p>
@@ -19378,7 +18809,7 @@
       </p:sp>
       <p:sp>
         <p:nvSpPr>
-          <p:cNvPr id="7" name="Forbindelse 6"/>
+          <p:cNvPr id="8" name="Forbindelse 7"/>
           <p:cNvSpPr/>
           <p:nvPr/>
         </p:nvSpPr>
@@ -19416,8 +18847,8 @@
           <a:p>
             <a:pPr algn="ctr"/>
             <a:r>
-              <a:rPr lang="da-DK" smtClean="0"/>
-              <a:t>B</a:t>
+              <a:rPr lang="da-DK"/>
+              <a:t>?</a:t>
             </a:r>
             <a:endParaRPr lang="da-DK"/>
           </a:p>
@@ -19426,7 +18857,7 @@
     </p:spTree>
     <p:extLst>
       <p:ext uri="{BB962C8B-B14F-4D97-AF65-F5344CB8AC3E}">
-        <p14:creationId xmlns:p14="http://schemas.microsoft.com/office/powerpoint/2010/main" val="2986901121"/>
+        <p14:creationId xmlns:p14="http://schemas.microsoft.com/office/powerpoint/2010/main" val="3222766261"/>
       </p:ext>
     </p:extLst>
   </p:cSld>
@@ -19522,13 +18953,7 @@
               <a:rPr lang="da-DK" sz="2800" b="1">
                 <a:latin typeface="Consolas" panose="020B0609020204030204" pitchFamily="49" charset="0"/>
               </a:rPr>
-              <a:t>number </a:t>
-            </a:r>
-            <a:r>
-              <a:rPr lang="da-DK" sz="2800" b="1">
-                <a:latin typeface="Consolas" panose="020B0609020204030204" pitchFamily="49" charset="0"/>
-              </a:rPr>
-              <a:t>= </a:t>
+              <a:t>number = </a:t>
             </a:r>
             <a:r>
               <a:rPr lang="da-DK" sz="2800" b="1" smtClean="0">
@@ -19653,8 +19078,8 @@
           <a:p>
             <a:pPr algn="ctr"/>
             <a:r>
-              <a:rPr lang="da-DK" smtClean="0"/>
-              <a:t>I</a:t>
+              <a:rPr lang="da-DK"/>
+              <a:t>=</a:t>
             </a:r>
             <a:endParaRPr lang="da-DK"/>
           </a:p>
@@ -19702,8 +19127,8 @@
           <a:p>
             <a:pPr algn="ctr"/>
             <a:r>
-              <a:rPr lang="da-DK" smtClean="0"/>
-              <a:t>B</a:t>
+              <a:rPr lang="da-DK"/>
+              <a:t>?</a:t>
             </a:r>
             <a:endParaRPr lang="da-DK"/>
           </a:p>
@@ -19711,20 +19136,20 @@
       </p:sp>
       <p:sp>
         <p:nvSpPr>
-          <p:cNvPr id="5" name="Forbindelse 4"/>
+          <p:cNvPr id="6" name="Forbindelse 5"/>
           <p:cNvSpPr/>
           <p:nvPr/>
         </p:nvSpPr>
         <p:spPr>
           <a:xfrm>
-            <a:off x="8850718" y="1805940"/>
+            <a:off x="6834558" y="3171081"/>
             <a:ext cx="457200" cy="457200"/>
           </a:xfrm>
           <a:prstGeom prst="flowChartConnector">
             <a:avLst/>
           </a:prstGeom>
           <a:solidFill>
-            <a:schemeClr val="bg1">
+            <a:schemeClr val="accent4">
               <a:lumMod val="50000"/>
             </a:schemeClr>
           </a:solidFill>
@@ -19751,8 +19176,8 @@
           <a:p>
             <a:pPr algn="ctr"/>
             <a:r>
-              <a:rPr lang="da-DK" smtClean="0"/>
-              <a:t>Æ</a:t>
+              <a:rPr lang="da-DK"/>
+              <a:t>!</a:t>
             </a:r>
             <a:endParaRPr lang="da-DK"/>
           </a:p>
@@ -19760,20 +19185,20 @@
       </p:sp>
       <p:sp>
         <p:nvSpPr>
-          <p:cNvPr id="6" name="Forbindelse 5"/>
+          <p:cNvPr id="7" name="Forbindelse 6"/>
           <p:cNvSpPr/>
           <p:nvPr/>
         </p:nvSpPr>
         <p:spPr>
           <a:xfrm>
-            <a:off x="6834558" y="3171081"/>
+            <a:off x="8850718" y="1805940"/>
             <a:ext cx="457200" cy="457200"/>
           </a:xfrm>
           <a:prstGeom prst="flowChartConnector">
             <a:avLst/>
           </a:prstGeom>
           <a:solidFill>
-            <a:schemeClr val="accent4">
+            <a:schemeClr val="bg1">
               <a:lumMod val="50000"/>
             </a:schemeClr>
           </a:solidFill>
@@ -19801,7 +19226,7 @@
             <a:pPr algn="ctr"/>
             <a:r>
               <a:rPr lang="da-DK" smtClean="0"/>
-              <a:t>H</a:t>
+              <a:t>+</a:t>
             </a:r>
             <a:endParaRPr lang="da-DK"/>
           </a:p>
@@ -19809,7 +19234,7 @@
       </p:sp>
       <p:sp>
         <p:nvSpPr>
-          <p:cNvPr id="7" name="Forbindelse 6"/>
+          <p:cNvPr id="8" name="Forbindelse 7"/>
           <p:cNvSpPr/>
           <p:nvPr/>
         </p:nvSpPr>
@@ -19849,8 +19274,8 @@
           <a:p>
             <a:pPr algn="ctr"/>
             <a:r>
-              <a:rPr lang="da-DK" smtClean="0"/>
-              <a:t>B</a:t>
+              <a:rPr lang="da-DK"/>
+              <a:t>?</a:t>
             </a:r>
             <a:endParaRPr lang="da-DK"/>
           </a:p>
@@ -19859,7 +19284,7 @@
     </p:spTree>
     <p:extLst>
       <p:ext uri="{BB962C8B-B14F-4D97-AF65-F5344CB8AC3E}">
-        <p14:creationId xmlns:p14="http://schemas.microsoft.com/office/powerpoint/2010/main" val="1686438372"/>
+        <p14:creationId xmlns:p14="http://schemas.microsoft.com/office/powerpoint/2010/main" val="1122894618"/>
       </p:ext>
     </p:extLst>
   </p:cSld>
@@ -19955,13 +19380,7 @@
               <a:rPr lang="da-DK" sz="2800" b="1">
                 <a:latin typeface="Consolas" panose="020B0609020204030204" pitchFamily="49" charset="0"/>
               </a:rPr>
-              <a:t>number </a:t>
-            </a:r>
-            <a:r>
-              <a:rPr lang="da-DK" sz="2800" b="1">
-                <a:latin typeface="Consolas" panose="020B0609020204030204" pitchFamily="49" charset="0"/>
-              </a:rPr>
-              <a:t>= </a:t>
+              <a:t>number = </a:t>
             </a:r>
             <a:r>
               <a:rPr lang="da-DK" sz="2800" b="1" smtClean="0">
@@ -20086,8 +19505,8 @@
           <a:p>
             <a:pPr algn="ctr"/>
             <a:r>
-              <a:rPr lang="da-DK" smtClean="0"/>
-              <a:t>I</a:t>
+              <a:rPr lang="da-DK"/>
+              <a:t>=</a:t>
             </a:r>
             <a:endParaRPr lang="da-DK"/>
           </a:p>
@@ -20135,8 +19554,8 @@
           <a:p>
             <a:pPr algn="ctr"/>
             <a:r>
-              <a:rPr lang="da-DK" smtClean="0"/>
-              <a:t>B</a:t>
+              <a:rPr lang="da-DK"/>
+              <a:t>?</a:t>
             </a:r>
             <a:endParaRPr lang="da-DK"/>
           </a:p>
@@ -20144,20 +19563,20 @@
       </p:sp>
       <p:sp>
         <p:nvSpPr>
-          <p:cNvPr id="5" name="Forbindelse 4"/>
+          <p:cNvPr id="6" name="Forbindelse 5"/>
           <p:cNvSpPr/>
           <p:nvPr/>
         </p:nvSpPr>
         <p:spPr>
           <a:xfrm>
-            <a:off x="8850718" y="1805940"/>
+            <a:off x="6834558" y="3171081"/>
             <a:ext cx="457200" cy="457200"/>
           </a:xfrm>
           <a:prstGeom prst="flowChartConnector">
             <a:avLst/>
           </a:prstGeom>
           <a:solidFill>
-            <a:schemeClr val="bg1">
+            <a:schemeClr val="accent4">
               <a:lumMod val="50000"/>
             </a:schemeClr>
           </a:solidFill>
@@ -20184,8 +19603,8 @@
           <a:p>
             <a:pPr algn="ctr"/>
             <a:r>
-              <a:rPr lang="da-DK" smtClean="0"/>
-              <a:t>Æ</a:t>
+              <a:rPr lang="da-DK"/>
+              <a:t>!</a:t>
             </a:r>
             <a:endParaRPr lang="da-DK"/>
           </a:p>
@@ -20193,20 +19612,20 @@
       </p:sp>
       <p:sp>
         <p:nvSpPr>
-          <p:cNvPr id="6" name="Forbindelse 5"/>
+          <p:cNvPr id="7" name="Forbindelse 6"/>
           <p:cNvSpPr/>
           <p:nvPr/>
         </p:nvSpPr>
         <p:spPr>
           <a:xfrm>
-            <a:off x="6834558" y="3171081"/>
+            <a:off x="8850718" y="1805940"/>
             <a:ext cx="457200" cy="457200"/>
           </a:xfrm>
           <a:prstGeom prst="flowChartConnector">
             <a:avLst/>
           </a:prstGeom>
           <a:solidFill>
-            <a:schemeClr val="accent4">
+            <a:schemeClr val="bg1">
               <a:lumMod val="50000"/>
             </a:schemeClr>
           </a:solidFill>
@@ -20234,7 +19653,7 @@
             <a:pPr algn="ctr"/>
             <a:r>
               <a:rPr lang="da-DK" smtClean="0"/>
-              <a:t>H</a:t>
+              <a:t>+</a:t>
             </a:r>
             <a:endParaRPr lang="da-DK"/>
           </a:p>
@@ -20242,7 +19661,7 @@
       </p:sp>
       <p:sp>
         <p:nvSpPr>
-          <p:cNvPr id="7" name="Forbindelse 6"/>
+          <p:cNvPr id="8" name="Forbindelse 7"/>
           <p:cNvSpPr/>
           <p:nvPr/>
         </p:nvSpPr>
@@ -20282,8 +19701,8 @@
           <a:p>
             <a:pPr algn="ctr"/>
             <a:r>
-              <a:rPr lang="da-DK" smtClean="0"/>
-              <a:t>B</a:t>
+              <a:rPr lang="da-DK"/>
+              <a:t>?</a:t>
             </a:r>
             <a:endParaRPr lang="da-DK"/>
           </a:p>
@@ -20291,7 +19710,7 @@
       </p:sp>
       <p:sp>
         <p:nvSpPr>
-          <p:cNvPr id="8" name="Forbindelse 7"/>
+          <p:cNvPr id="9" name="Forbindelse 8"/>
           <p:cNvSpPr/>
           <p:nvPr/>
         </p:nvSpPr>
@@ -20331,8 +19750,8 @@
           <a:p>
             <a:pPr algn="ctr"/>
             <a:r>
-              <a:rPr lang="da-DK" smtClean="0"/>
-              <a:t>H</a:t>
+              <a:rPr lang="da-DK"/>
+              <a:t>!</a:t>
             </a:r>
             <a:endParaRPr lang="da-DK"/>
           </a:p>
@@ -20341,7 +19760,7 @@
     </p:spTree>
     <p:extLst>
       <p:ext uri="{BB962C8B-B14F-4D97-AF65-F5344CB8AC3E}">
-        <p14:creationId xmlns:p14="http://schemas.microsoft.com/office/powerpoint/2010/main" val="1346033402"/>
+        <p14:creationId xmlns:p14="http://schemas.microsoft.com/office/powerpoint/2010/main" val="1113600578"/>
       </p:ext>
     </p:extLst>
   </p:cSld>
@@ -20788,13 +20207,7 @@
               <a:rPr lang="da-DK" sz="2800" b="1">
                 <a:latin typeface="Consolas" panose="020B0609020204030204" pitchFamily="49" charset="0"/>
               </a:rPr>
-              <a:t>number </a:t>
-            </a:r>
-            <a:r>
-              <a:rPr lang="da-DK" sz="2800" b="1">
-                <a:latin typeface="Consolas" panose="020B0609020204030204" pitchFamily="49" charset="0"/>
-              </a:rPr>
-              <a:t>= </a:t>
+              <a:t>number = </a:t>
             </a:r>
             <a:r>
               <a:rPr lang="da-DK" sz="2800" b="1" smtClean="0">
@@ -20919,8 +20332,8 @@
           <a:p>
             <a:pPr algn="ctr"/>
             <a:r>
-              <a:rPr lang="da-DK" smtClean="0"/>
-              <a:t>I</a:t>
+              <a:rPr lang="da-DK"/>
+              <a:t>=</a:t>
             </a:r>
             <a:endParaRPr lang="da-DK"/>
           </a:p>
@@ -20968,8 +20381,8 @@
           <a:p>
             <a:pPr algn="ctr"/>
             <a:r>
-              <a:rPr lang="da-DK" smtClean="0"/>
-              <a:t>B</a:t>
+              <a:rPr lang="da-DK"/>
+              <a:t>?</a:t>
             </a:r>
             <a:endParaRPr lang="da-DK"/>
           </a:p>
@@ -20977,20 +20390,20 @@
       </p:sp>
       <p:sp>
         <p:nvSpPr>
-          <p:cNvPr id="5" name="Forbindelse 4"/>
+          <p:cNvPr id="6" name="Forbindelse 5"/>
           <p:cNvSpPr/>
           <p:nvPr/>
         </p:nvSpPr>
         <p:spPr>
           <a:xfrm>
-            <a:off x="8850718" y="1805940"/>
+            <a:off x="6834558" y="3171081"/>
             <a:ext cx="457200" cy="457200"/>
           </a:xfrm>
           <a:prstGeom prst="flowChartConnector">
             <a:avLst/>
           </a:prstGeom>
           <a:solidFill>
-            <a:schemeClr val="bg1">
+            <a:schemeClr val="accent4">
               <a:lumMod val="50000"/>
             </a:schemeClr>
           </a:solidFill>
@@ -21017,8 +20430,8 @@
           <a:p>
             <a:pPr algn="ctr"/>
             <a:r>
-              <a:rPr lang="da-DK" smtClean="0"/>
-              <a:t>Æ</a:t>
+              <a:rPr lang="da-DK"/>
+              <a:t>!</a:t>
             </a:r>
             <a:endParaRPr lang="da-DK"/>
           </a:p>
@@ -21026,20 +20439,20 @@
       </p:sp>
       <p:sp>
         <p:nvSpPr>
-          <p:cNvPr id="6" name="Forbindelse 5"/>
+          <p:cNvPr id="7" name="Forbindelse 6"/>
           <p:cNvSpPr/>
           <p:nvPr/>
         </p:nvSpPr>
         <p:spPr>
           <a:xfrm>
-            <a:off x="6834558" y="3171081"/>
+            <a:off x="8850718" y="1805940"/>
             <a:ext cx="457200" cy="457200"/>
           </a:xfrm>
           <a:prstGeom prst="flowChartConnector">
             <a:avLst/>
           </a:prstGeom>
           <a:solidFill>
-            <a:schemeClr val="accent4">
+            <a:schemeClr val="bg1">
               <a:lumMod val="50000"/>
             </a:schemeClr>
           </a:solidFill>
@@ -21067,7 +20480,7 @@
             <a:pPr algn="ctr"/>
             <a:r>
               <a:rPr lang="da-DK" smtClean="0"/>
-              <a:t>H</a:t>
+              <a:t>+</a:t>
             </a:r>
             <a:endParaRPr lang="da-DK"/>
           </a:p>
@@ -21075,7 +20488,7 @@
       </p:sp>
       <p:sp>
         <p:nvSpPr>
-          <p:cNvPr id="7" name="Forbindelse 6"/>
+          <p:cNvPr id="8" name="Forbindelse 7"/>
           <p:cNvSpPr/>
           <p:nvPr/>
         </p:nvSpPr>
@@ -21115,8 +20528,8 @@
           <a:p>
             <a:pPr algn="ctr"/>
             <a:r>
-              <a:rPr lang="da-DK" smtClean="0"/>
-              <a:t>B</a:t>
+              <a:rPr lang="da-DK"/>
+              <a:t>?</a:t>
             </a:r>
             <a:endParaRPr lang="da-DK"/>
           </a:p>
@@ -21124,7 +20537,7 @@
       </p:sp>
       <p:sp>
         <p:nvSpPr>
-          <p:cNvPr id="8" name="Forbindelse 7"/>
+          <p:cNvPr id="9" name="Forbindelse 8"/>
           <p:cNvSpPr/>
           <p:nvPr/>
         </p:nvSpPr>
@@ -21164,8 +20577,8 @@
           <a:p>
             <a:pPr algn="ctr"/>
             <a:r>
-              <a:rPr lang="da-DK" smtClean="0"/>
-              <a:t>H</a:t>
+              <a:rPr lang="da-DK"/>
+              <a:t>!</a:t>
             </a:r>
             <a:endParaRPr lang="da-DK"/>
           </a:p>
@@ -21173,7 +20586,7 @@
       </p:sp>
       <p:sp>
         <p:nvSpPr>
-          <p:cNvPr id="9" name="Forbindelse 8"/>
+          <p:cNvPr id="10" name="Forbindelse 9"/>
           <p:cNvSpPr/>
           <p:nvPr/>
         </p:nvSpPr>
@@ -21214,7 +20627,7 @@
             <a:pPr algn="ctr"/>
             <a:r>
               <a:rPr lang="da-DK" smtClean="0"/>
-              <a:t>Æ</a:t>
+              <a:t>+</a:t>
             </a:r>
             <a:endParaRPr lang="da-DK"/>
           </a:p>
@@ -21223,7 +20636,7 @@
     </p:spTree>
     <p:extLst>
       <p:ext uri="{BB962C8B-B14F-4D97-AF65-F5344CB8AC3E}">
-        <p14:creationId xmlns:p14="http://schemas.microsoft.com/office/powerpoint/2010/main" val="2744063095"/>
+        <p14:creationId xmlns:p14="http://schemas.microsoft.com/office/powerpoint/2010/main" val="3777847944"/>
       </p:ext>
     </p:extLst>
   </p:cSld>
@@ -21319,13 +20732,7 @@
               <a:rPr lang="da-DK" sz="2800" b="1">
                 <a:latin typeface="Consolas" panose="020B0609020204030204" pitchFamily="49" charset="0"/>
               </a:rPr>
-              <a:t>number </a:t>
-            </a:r>
-            <a:r>
-              <a:rPr lang="da-DK" sz="2800" b="1">
-                <a:latin typeface="Consolas" panose="020B0609020204030204" pitchFamily="49" charset="0"/>
-              </a:rPr>
-              <a:t>= </a:t>
+              <a:t>number = </a:t>
             </a:r>
             <a:r>
               <a:rPr lang="da-DK" sz="2800" b="1" smtClean="0">
@@ -21450,8 +20857,8 @@
           <a:p>
             <a:pPr algn="ctr"/>
             <a:r>
-              <a:rPr lang="da-DK" smtClean="0"/>
-              <a:t>I</a:t>
+              <a:rPr lang="da-DK"/>
+              <a:t>=</a:t>
             </a:r>
             <a:endParaRPr lang="da-DK"/>
           </a:p>
@@ -21499,8 +20906,8 @@
           <a:p>
             <a:pPr algn="ctr"/>
             <a:r>
-              <a:rPr lang="da-DK" smtClean="0"/>
-              <a:t>B</a:t>
+              <a:rPr lang="da-DK"/>
+              <a:t>?</a:t>
             </a:r>
             <a:endParaRPr lang="da-DK"/>
           </a:p>
@@ -21508,20 +20915,20 @@
       </p:sp>
       <p:sp>
         <p:nvSpPr>
-          <p:cNvPr id="5" name="Forbindelse 4"/>
+          <p:cNvPr id="6" name="Forbindelse 5"/>
           <p:cNvSpPr/>
           <p:nvPr/>
         </p:nvSpPr>
         <p:spPr>
           <a:xfrm>
-            <a:off x="8850718" y="1805940"/>
+            <a:off x="6834558" y="3171081"/>
             <a:ext cx="457200" cy="457200"/>
           </a:xfrm>
           <a:prstGeom prst="flowChartConnector">
             <a:avLst/>
           </a:prstGeom>
           <a:solidFill>
-            <a:schemeClr val="bg1">
+            <a:schemeClr val="accent4">
               <a:lumMod val="50000"/>
             </a:schemeClr>
           </a:solidFill>
@@ -21548,8 +20955,8 @@
           <a:p>
             <a:pPr algn="ctr"/>
             <a:r>
-              <a:rPr lang="da-DK" smtClean="0"/>
-              <a:t>Æ</a:t>
+              <a:rPr lang="da-DK"/>
+              <a:t>!</a:t>
             </a:r>
             <a:endParaRPr lang="da-DK"/>
           </a:p>
@@ -21557,20 +20964,20 @@
       </p:sp>
       <p:sp>
         <p:nvSpPr>
-          <p:cNvPr id="6" name="Forbindelse 5"/>
+          <p:cNvPr id="7" name="Forbindelse 6"/>
           <p:cNvSpPr/>
           <p:nvPr/>
         </p:nvSpPr>
         <p:spPr>
           <a:xfrm>
-            <a:off x="6834558" y="3171081"/>
+            <a:off x="8850718" y="1805940"/>
             <a:ext cx="457200" cy="457200"/>
           </a:xfrm>
           <a:prstGeom prst="flowChartConnector">
             <a:avLst/>
           </a:prstGeom>
           <a:solidFill>
-            <a:schemeClr val="accent4">
+            <a:schemeClr val="bg1">
               <a:lumMod val="50000"/>
             </a:schemeClr>
           </a:solidFill>
@@ -21598,7 +21005,7 @@
             <a:pPr algn="ctr"/>
             <a:r>
               <a:rPr lang="da-DK" smtClean="0"/>
-              <a:t>H</a:t>
+              <a:t>+</a:t>
             </a:r>
             <a:endParaRPr lang="da-DK"/>
           </a:p>
@@ -21606,7 +21013,7 @@
       </p:sp>
       <p:sp>
         <p:nvSpPr>
-          <p:cNvPr id="7" name="Forbindelse 6"/>
+          <p:cNvPr id="8" name="Forbindelse 7"/>
           <p:cNvSpPr/>
           <p:nvPr/>
         </p:nvSpPr>
@@ -21646,8 +21053,8 @@
           <a:p>
             <a:pPr algn="ctr"/>
             <a:r>
-              <a:rPr lang="da-DK" smtClean="0"/>
-              <a:t>B</a:t>
+              <a:rPr lang="da-DK"/>
+              <a:t>?</a:t>
             </a:r>
             <a:endParaRPr lang="da-DK"/>
           </a:p>
@@ -21655,7 +21062,7 @@
       </p:sp>
       <p:sp>
         <p:nvSpPr>
-          <p:cNvPr id="8" name="Forbindelse 7"/>
+          <p:cNvPr id="9" name="Forbindelse 8"/>
           <p:cNvSpPr/>
           <p:nvPr/>
         </p:nvSpPr>
@@ -21695,8 +21102,8 @@
           <a:p>
             <a:pPr algn="ctr"/>
             <a:r>
-              <a:rPr lang="da-DK" smtClean="0"/>
-              <a:t>H</a:t>
+              <a:rPr lang="da-DK"/>
+              <a:t>!</a:t>
             </a:r>
             <a:endParaRPr lang="da-DK"/>
           </a:p>
@@ -21704,7 +21111,7 @@
       </p:sp>
       <p:sp>
         <p:nvSpPr>
-          <p:cNvPr id="9" name="Forbindelse 8"/>
+          <p:cNvPr id="10" name="Forbindelse 9"/>
           <p:cNvSpPr/>
           <p:nvPr/>
         </p:nvSpPr>
@@ -21745,7 +21152,7 @@
             <a:pPr algn="ctr"/>
             <a:r>
               <a:rPr lang="da-DK" smtClean="0"/>
-              <a:t>Æ</a:t>
+              <a:t>+</a:t>
             </a:r>
             <a:endParaRPr lang="da-DK"/>
           </a:p>
@@ -21753,7 +21160,7 @@
       </p:sp>
       <p:sp>
         <p:nvSpPr>
-          <p:cNvPr id="10" name="Forbindelse 9"/>
+          <p:cNvPr id="12" name="Forbindelse 11"/>
           <p:cNvSpPr/>
           <p:nvPr/>
         </p:nvSpPr>
@@ -21791,8 +21198,8 @@
           <a:p>
             <a:pPr algn="ctr"/>
             <a:r>
-              <a:rPr lang="da-DK" smtClean="0"/>
-              <a:t>B</a:t>
+              <a:rPr lang="da-DK"/>
+              <a:t>?</a:t>
             </a:r>
             <a:endParaRPr lang="da-DK"/>
           </a:p>
@@ -21801,7 +21208,7 @@
     </p:spTree>
     <p:extLst>
       <p:ext uri="{BB962C8B-B14F-4D97-AF65-F5344CB8AC3E}">
-        <p14:creationId xmlns:p14="http://schemas.microsoft.com/office/powerpoint/2010/main" val="2072385401"/>
+        <p14:creationId xmlns:p14="http://schemas.microsoft.com/office/powerpoint/2010/main" val="2955337571"/>
       </p:ext>
     </p:extLst>
   </p:cSld>
@@ -21897,13 +21304,7 @@
               <a:rPr lang="da-DK" sz="2800" b="1">
                 <a:latin typeface="Consolas" panose="020B0609020204030204" pitchFamily="49" charset="0"/>
               </a:rPr>
-              <a:t>number </a:t>
-            </a:r>
-            <a:r>
-              <a:rPr lang="da-DK" sz="2800" b="1">
-                <a:latin typeface="Consolas" panose="020B0609020204030204" pitchFamily="49" charset="0"/>
-              </a:rPr>
-              <a:t>= </a:t>
+              <a:t>number = </a:t>
             </a:r>
             <a:r>
               <a:rPr lang="da-DK" sz="2800" b="1" smtClean="0">
@@ -22028,8 +21429,8 @@
           <a:p>
             <a:pPr algn="ctr"/>
             <a:r>
-              <a:rPr lang="da-DK" smtClean="0"/>
-              <a:t>I</a:t>
+              <a:rPr lang="da-DK"/>
+              <a:t>=</a:t>
             </a:r>
             <a:endParaRPr lang="da-DK"/>
           </a:p>
@@ -22077,8 +21478,8 @@
           <a:p>
             <a:pPr algn="ctr"/>
             <a:r>
-              <a:rPr lang="da-DK" smtClean="0"/>
-              <a:t>B</a:t>
+              <a:rPr lang="da-DK"/>
+              <a:t>?</a:t>
             </a:r>
             <a:endParaRPr lang="da-DK"/>
           </a:p>
@@ -22086,20 +21487,20 @@
       </p:sp>
       <p:sp>
         <p:nvSpPr>
-          <p:cNvPr id="5" name="Forbindelse 4"/>
+          <p:cNvPr id="6" name="Forbindelse 5"/>
           <p:cNvSpPr/>
           <p:nvPr/>
         </p:nvSpPr>
         <p:spPr>
           <a:xfrm>
-            <a:off x="8850718" y="1805940"/>
+            <a:off x="6834558" y="3171081"/>
             <a:ext cx="457200" cy="457200"/>
           </a:xfrm>
           <a:prstGeom prst="flowChartConnector">
             <a:avLst/>
           </a:prstGeom>
           <a:solidFill>
-            <a:schemeClr val="bg1">
+            <a:schemeClr val="accent4">
               <a:lumMod val="50000"/>
             </a:schemeClr>
           </a:solidFill>
@@ -22126,8 +21527,8 @@
           <a:p>
             <a:pPr algn="ctr"/>
             <a:r>
-              <a:rPr lang="da-DK" smtClean="0"/>
-              <a:t>Æ</a:t>
+              <a:rPr lang="da-DK"/>
+              <a:t>!</a:t>
             </a:r>
             <a:endParaRPr lang="da-DK"/>
           </a:p>
@@ -22135,20 +21536,20 @@
       </p:sp>
       <p:sp>
         <p:nvSpPr>
-          <p:cNvPr id="6" name="Forbindelse 5"/>
+          <p:cNvPr id="7" name="Forbindelse 6"/>
           <p:cNvSpPr/>
           <p:nvPr/>
         </p:nvSpPr>
         <p:spPr>
           <a:xfrm>
-            <a:off x="6834558" y="3171081"/>
+            <a:off x="8850718" y="1805940"/>
             <a:ext cx="457200" cy="457200"/>
           </a:xfrm>
           <a:prstGeom prst="flowChartConnector">
             <a:avLst/>
           </a:prstGeom>
           <a:solidFill>
-            <a:schemeClr val="accent4">
+            <a:schemeClr val="bg1">
               <a:lumMod val="50000"/>
             </a:schemeClr>
           </a:solidFill>
@@ -22176,7 +21577,7 @@
             <a:pPr algn="ctr"/>
             <a:r>
               <a:rPr lang="da-DK" smtClean="0"/>
-              <a:t>H</a:t>
+              <a:t>+</a:t>
             </a:r>
             <a:endParaRPr lang="da-DK"/>
           </a:p>
@@ -22184,7 +21585,7 @@
       </p:sp>
       <p:sp>
         <p:nvSpPr>
-          <p:cNvPr id="7" name="Forbindelse 6"/>
+          <p:cNvPr id="8" name="Forbindelse 7"/>
           <p:cNvSpPr/>
           <p:nvPr/>
         </p:nvSpPr>
@@ -22224,8 +21625,8 @@
           <a:p>
             <a:pPr algn="ctr"/>
             <a:r>
-              <a:rPr lang="da-DK" smtClean="0"/>
-              <a:t>B</a:t>
+              <a:rPr lang="da-DK"/>
+              <a:t>?</a:t>
             </a:r>
             <a:endParaRPr lang="da-DK"/>
           </a:p>
@@ -22233,7 +21634,7 @@
       </p:sp>
       <p:sp>
         <p:nvSpPr>
-          <p:cNvPr id="8" name="Forbindelse 7"/>
+          <p:cNvPr id="9" name="Forbindelse 8"/>
           <p:cNvSpPr/>
           <p:nvPr/>
         </p:nvSpPr>
@@ -22273,8 +21674,8 @@
           <a:p>
             <a:pPr algn="ctr"/>
             <a:r>
-              <a:rPr lang="da-DK" smtClean="0"/>
-              <a:t>H</a:t>
+              <a:rPr lang="da-DK"/>
+              <a:t>!</a:t>
             </a:r>
             <a:endParaRPr lang="da-DK"/>
           </a:p>
@@ -22282,7 +21683,7 @@
       </p:sp>
       <p:sp>
         <p:nvSpPr>
-          <p:cNvPr id="9" name="Forbindelse 8"/>
+          <p:cNvPr id="10" name="Forbindelse 9"/>
           <p:cNvSpPr/>
           <p:nvPr/>
         </p:nvSpPr>
@@ -22323,7 +21724,7 @@
             <a:pPr algn="ctr"/>
             <a:r>
               <a:rPr lang="da-DK" smtClean="0"/>
-              <a:t>Æ</a:t>
+              <a:t>+</a:t>
             </a:r>
             <a:endParaRPr lang="da-DK"/>
           </a:p>
@@ -22331,7 +21732,7 @@
       </p:sp>
       <p:sp>
         <p:nvSpPr>
-          <p:cNvPr id="10" name="Forbindelse 9"/>
+          <p:cNvPr id="12" name="Forbindelse 11"/>
           <p:cNvSpPr/>
           <p:nvPr/>
         </p:nvSpPr>
@@ -22369,8 +21770,8 @@
           <a:p>
             <a:pPr algn="ctr"/>
             <a:r>
-              <a:rPr lang="da-DK" smtClean="0"/>
-              <a:t>B</a:t>
+              <a:rPr lang="da-DK"/>
+              <a:t>?</a:t>
             </a:r>
             <a:endParaRPr lang="da-DK"/>
           </a:p>
@@ -22379,7 +21780,7 @@
     </p:spTree>
     <p:extLst>
       <p:ext uri="{BB962C8B-B14F-4D97-AF65-F5344CB8AC3E}">
-        <p14:creationId xmlns:p14="http://schemas.microsoft.com/office/powerpoint/2010/main" val="3185721540"/>
+        <p14:creationId xmlns:p14="http://schemas.microsoft.com/office/powerpoint/2010/main" val="4264912280"/>
       </p:ext>
     </p:extLst>
   </p:cSld>
@@ -22475,31 +21876,19 @@
               <a:rPr lang="da-DK" sz="2800" b="1">
                 <a:latin typeface="Consolas" panose="020B0609020204030204" pitchFamily="49" charset="0"/>
               </a:rPr>
-              <a:t>number </a:t>
+              <a:t>number = </a:t>
+            </a:r>
+            <a:r>
+              <a:rPr lang="da-DK" sz="2800" b="1" smtClean="0">
+                <a:latin typeface="Consolas" panose="020B0609020204030204" pitchFamily="49" charset="0"/>
+              </a:rPr>
+              <a:t>1; </a:t>
             </a:r>
             <a:r>
               <a:rPr lang="da-DK" sz="2800" b="1">
                 <a:latin typeface="Consolas" panose="020B0609020204030204" pitchFamily="49" charset="0"/>
               </a:rPr>
-              <a:t>= </a:t>
-            </a:r>
-            <a:r>
-              <a:rPr lang="da-DK" sz="2800" b="1" smtClean="0">
-                <a:latin typeface="Consolas" panose="020B0609020204030204" pitchFamily="49" charset="0"/>
-              </a:rPr>
-              <a:t>1; </a:t>
-            </a:r>
-            <a:r>
-              <a:rPr lang="da-DK" sz="2800" b="1">
-                <a:latin typeface="Consolas" panose="020B0609020204030204" pitchFamily="49" charset="0"/>
-              </a:rPr>
-              <a:t>number &lt; 5</a:t>
-            </a:r>
-            <a:r>
-              <a:rPr lang="da-DK" sz="2800" b="1">
-                <a:latin typeface="Consolas" panose="020B0609020204030204" pitchFamily="49" charset="0"/>
-              </a:rPr>
-              <a:t>; </a:t>
+              <a:t>number &lt; 5; </a:t>
             </a:r>
             <a:r>
               <a:rPr lang="da-DK" sz="2800" b="1" smtClean="0">
@@ -22507,9 +21896,6 @@
               </a:rPr>
               <a:t>number++)</a:t>
             </a:r>
-            <a:endParaRPr lang="da-DK" sz="2800" b="1" smtClean="0">
-              <a:latin typeface="Consolas" panose="020B0609020204030204" pitchFamily="49" charset="0"/>
-            </a:endParaRPr>
           </a:p>
           <a:p>
             <a:r>
@@ -22745,9 +22131,6 @@
               </a:rPr>
               <a:t>...?</a:t>
             </a:r>
-            <a:endParaRPr lang="da-DK" sz="7200" b="1" smtClean="0">
-              <a:latin typeface="Consolas" panose="020B0609020204030204" pitchFamily="49" charset="0"/>
-            </a:endParaRPr>
           </a:p>
         </p:txBody>
       </p:sp>
@@ -23775,13 +23158,7 @@
               <a:rPr lang="da-DK" sz="4800" b="1" smtClean="0">
                 <a:latin typeface="Consolas" panose="020B0609020204030204" pitchFamily="49" charset="0"/>
               </a:rPr>
-              <a:t> </a:t>
-            </a:r>
-            <a:r>
-              <a:rPr lang="da-DK" sz="4800" b="1" smtClean="0">
-                <a:latin typeface="Consolas" panose="020B0609020204030204" pitchFamily="49" charset="0"/>
-              </a:rPr>
-              <a:t>(?)</a:t>
+              <a:t> (?)</a:t>
             </a:r>
           </a:p>
           <a:p>
@@ -24277,9 +23654,6 @@
               </a:rPr>
               <a:t> (number &lt; 5)</a:t>
             </a:r>
-            <a:endParaRPr lang="da-DK" sz="2800" b="1" smtClean="0">
-              <a:latin typeface="Consolas" panose="020B0609020204030204" pitchFamily="49" charset="0"/>
-            </a:endParaRPr>
           </a:p>
           <a:p>
             <a:r>
@@ -24313,14 +23687,6 @@
               </a:rPr>
               <a:t>// Do something...</a:t>
             </a:r>
-            <a:endParaRPr lang="da-DK" sz="2800" b="1" smtClean="0">
-              <a:solidFill>
-                <a:schemeClr val="accent6">
-                  <a:lumMod val="75000"/>
-                </a:schemeClr>
-              </a:solidFill>
-              <a:latin typeface="Consolas" panose="020B0609020204030204" pitchFamily="49" charset="0"/>
-            </a:endParaRPr>
           </a:p>
           <a:p>
             <a:r>
@@ -24362,14 +23728,6 @@
               </a:rPr>
               <a:t> </a:t>
             </a:r>
-            <a:endParaRPr lang="da-DK" sz="2800" b="1" smtClean="0">
-              <a:solidFill>
-                <a:schemeClr val="accent6">
-                  <a:lumMod val="75000"/>
-                </a:schemeClr>
-              </a:solidFill>
-              <a:latin typeface="Consolas" panose="020B0609020204030204" pitchFamily="49" charset="0"/>
-            </a:endParaRPr>
           </a:p>
           <a:p>
             <a:r>
@@ -24782,9 +24140,6 @@
               </a:rPr>
               <a:t> (number &lt; 5)</a:t>
             </a:r>
-            <a:endParaRPr lang="da-DK" sz="2800" b="1" smtClean="0">
-              <a:latin typeface="Consolas" panose="020B0609020204030204" pitchFamily="49" charset="0"/>
-            </a:endParaRPr>
           </a:p>
           <a:p>
             <a:r>
@@ -24818,14 +24173,6 @@
               </a:rPr>
               <a:t>// Do something...</a:t>
             </a:r>
-            <a:endParaRPr lang="da-DK" sz="2800" b="1" smtClean="0">
-              <a:solidFill>
-                <a:schemeClr val="accent6">
-                  <a:lumMod val="75000"/>
-                </a:schemeClr>
-              </a:solidFill>
-              <a:latin typeface="Consolas" panose="020B0609020204030204" pitchFamily="49" charset="0"/>
-            </a:endParaRPr>
           </a:p>
           <a:p>
             <a:r>
@@ -24867,14 +24214,6 @@
               </a:rPr>
               <a:t> </a:t>
             </a:r>
-            <a:endParaRPr lang="da-DK" sz="2800" b="1" smtClean="0">
-              <a:solidFill>
-                <a:schemeClr val="accent6">
-                  <a:lumMod val="75000"/>
-                </a:schemeClr>
-              </a:solidFill>
-              <a:latin typeface="Consolas" panose="020B0609020204030204" pitchFamily="49" charset="0"/>
-            </a:endParaRPr>
           </a:p>
           <a:p>
             <a:r>
